--- a/techtalk/CloudDNS-TechTalkTemplate.pptx
+++ b/techtalk/CloudDNS-TechTalkTemplate.pptx
@@ -6,10 +6,10 @@
     <p:sldMasterId id="2147483649" r:id="rId5"/>
   </p:sldMasterIdLst>
   <p:notesMasterIdLst>
-    <p:notesMasterId r:id="rId21"/>
+    <p:notesMasterId r:id="rId19"/>
   </p:notesMasterIdLst>
   <p:handoutMasterIdLst>
-    <p:handoutMasterId r:id="rId22"/>
+    <p:handoutMasterId r:id="rId20"/>
   </p:handoutMasterIdLst>
   <p:sldIdLst>
     <p:sldId id="256" r:id="rId6"/>
@@ -17,16 +17,14 @@
     <p:sldId id="281" r:id="rId8"/>
     <p:sldId id="282" r:id="rId9"/>
     <p:sldId id="294" r:id="rId10"/>
-    <p:sldId id="295" r:id="rId11"/>
-    <p:sldId id="296" r:id="rId12"/>
-    <p:sldId id="285" r:id="rId13"/>
-    <p:sldId id="287" r:id="rId14"/>
-    <p:sldId id="286" r:id="rId15"/>
-    <p:sldId id="288" r:id="rId16"/>
-    <p:sldId id="262" r:id="rId17"/>
-    <p:sldId id="289" r:id="rId18"/>
-    <p:sldId id="274" r:id="rId19"/>
-    <p:sldId id="291" r:id="rId20"/>
+    <p:sldId id="297" r:id="rId11"/>
+    <p:sldId id="295" r:id="rId12"/>
+    <p:sldId id="296" r:id="rId13"/>
+    <p:sldId id="285" r:id="rId14"/>
+    <p:sldId id="287" r:id="rId15"/>
+    <p:sldId id="262" r:id="rId16"/>
+    <p:sldId id="274" r:id="rId17"/>
+    <p:sldId id="291" r:id="rId18"/>
   </p:sldIdLst>
   <p:sldSz cx="9144000" cy="6858000" type="screen4x3"/>
   <p:notesSz cx="6858000" cy="9144000"/>
@@ -250,7 +248,7 @@
             <a:fld id="{024717CF-9968-0D4D-9FC4-597B2E56B041}" type="datetimeFigureOut">
               <a:rPr lang="en-US" smtClean="0"/>
               <a:pPr/>
-              <a:t>10/19/11</a:t>
+              <a:t>10/21/11</a:t>
             </a:fld>
             <a:endParaRPr lang="en-US" dirty="0"/>
           </a:p>
@@ -418,7 +416,7 @@
             <a:fld id="{E59A0190-259B-884B-986E-E78E91DEEBF9}" type="datetimeFigureOut">
               <a:rPr lang="en-US" smtClean="0"/>
               <a:pPr/>
-              <a:t>10/19/11</a:t>
+              <a:t>10/21/11</a:t>
             </a:fld>
             <a:endParaRPr lang="en-US" dirty="0"/>
           </a:p>
@@ -817,255 +815,14 @@
           <a:bodyPr/>
           <a:lstStyle/>
           <a:p>
-            <a:pPr marL="0" indent="0">
-              <a:buNone/>
-            </a:pPr>
-            <a:r>
-              <a:rPr lang="en-US" b="1" dirty="0" smtClean="0"/>
-              <a:t>CLOUD DNS GA SUPPORT</a:t>
-            </a:r>
-          </a:p>
-          <a:p>
-            <a:pPr marL="0" indent="0">
-              <a:buNone/>
-            </a:pPr>
-            <a:r>
-              <a:rPr lang="en-US" i="1" dirty="0" smtClean="0"/>
-              <a:t>Applies to both Core and Managed Cloud accounts:</a:t>
-            </a:r>
-          </a:p>
-          <a:p>
-            <a:pPr marL="171450" indent="-171450">
-              <a:buFont typeface="Arial"/>
-              <a:buChar char="•"/>
-            </a:pPr>
-            <a:endParaRPr lang="en-US" dirty="0" smtClean="0"/>
-          </a:p>
-          <a:p>
-            <a:pPr marL="171450" indent="-171450">
-              <a:buFont typeface="Arial"/>
-              <a:buChar char="•"/>
-            </a:pPr>
-            <a:r>
-              <a:rPr lang="en-US" b="1" dirty="0" smtClean="0"/>
-              <a:t>New Support Stuff:</a:t>
-            </a:r>
-          </a:p>
-          <a:p>
-            <a:pPr marL="628650" lvl="1" indent="-171450">
-              <a:buFont typeface="Arial"/>
-              <a:buChar char="•"/>
-            </a:pPr>
             <a:r>
               <a:rPr lang="en-US" dirty="0" smtClean="0"/>
-              <a:t>Cloud DNS service will be covered by existing product SLAs (Cloud DNS will not have its own SLA)</a:t>
-            </a:r>
-          </a:p>
-          <a:p>
-            <a:pPr marL="628650" lvl="1" indent="-171450">
-              <a:buFont typeface="Arial"/>
-              <a:buChar char="•"/>
-            </a:pPr>
-            <a:r>
-              <a:rPr lang="en-US" dirty="0" smtClean="0"/>
-              <a:t>24x7x365 Chat/Phone/Ticket Support</a:t>
-            </a:r>
-          </a:p>
-          <a:p>
-            <a:pPr marL="628650" lvl="1" indent="-171450">
-              <a:buFont typeface="Arial"/>
-              <a:buChar char="•"/>
-            </a:pPr>
-            <a:r>
-              <a:rPr lang="en-US" dirty="0" smtClean="0"/>
-              <a:t>Basic customer guidance for what Cloud DNS API calls apply based on customer needs</a:t>
-            </a:r>
-          </a:p>
-          <a:p>
-            <a:pPr marL="628650" lvl="1" indent="-171450">
-              <a:buFont typeface="Arial"/>
-              <a:buChar char="•"/>
-            </a:pPr>
-            <a:r>
-              <a:rPr lang="en-US" dirty="0" smtClean="0"/>
-              <a:t>Cloud DNS API authentication troubleshooting and verification</a:t>
-            </a:r>
-          </a:p>
-          <a:p>
-            <a:pPr marL="628650" lvl="1" indent="-171450">
-              <a:buFont typeface="Arial"/>
-              <a:buChar char="•"/>
-            </a:pPr>
-            <a:r>
-              <a:rPr lang="en-US" dirty="0" smtClean="0"/>
-              <a:t>Cloud DNS SMEs - 1st Level Escalated Support</a:t>
-            </a:r>
-          </a:p>
-          <a:p>
-            <a:pPr marL="628650" lvl="1" indent="-171450">
-              <a:buFont typeface="Arial"/>
-              <a:buChar char="•"/>
-            </a:pPr>
-            <a:r>
-              <a:rPr lang="en-US" dirty="0" smtClean="0"/>
-              <a:t>Cloud DNS Operations - 2nd Level Escalated Support</a:t>
-            </a:r>
-          </a:p>
-          <a:p>
-            <a:pPr marL="628650" lvl="1" indent="-171450">
-              <a:buFont typeface="Arial"/>
-              <a:buChar char="•"/>
-            </a:pPr>
-            <a:r>
-              <a:rPr lang="en-US" dirty="0" smtClean="0"/>
-              <a:t>Cloud DNS Development - 3rd Level Escalated Support</a:t>
-            </a:r>
-          </a:p>
-          <a:p>
-            <a:pPr marL="628650" lvl="1" indent="-171450">
-              <a:buFont typeface="Arial"/>
-              <a:buChar char="•"/>
-            </a:pPr>
-            <a:r>
-              <a:rPr lang="en-US" dirty="0" smtClean="0"/>
-              <a:t>Customers should be directed to submit any Cloud DNS feature requests and/or enhancements to http://</a:t>
-            </a:r>
-            <a:r>
-              <a:rPr lang="en-US" dirty="0" err="1" smtClean="0"/>
-              <a:t>feedback.rackspacecloud.com</a:t>
-            </a:r>
-            <a:r>
-              <a:rPr lang="en-US" dirty="0" smtClean="0"/>
-              <a:t>/forums/71021-product-feedback/category/28803-rackspace-cloud-dns.</a:t>
-            </a:r>
-          </a:p>
-          <a:p>
-            <a:pPr marL="171450" indent="-171450">
-              <a:buFont typeface="Arial"/>
-              <a:buChar char="•"/>
-            </a:pPr>
-            <a:r>
-              <a:rPr lang="en-US" b="1" dirty="0" smtClean="0"/>
-              <a:t>Same Support Stuff:</a:t>
-            </a:r>
-          </a:p>
-          <a:p>
-            <a:pPr marL="628650" lvl="1" indent="-171450">
-              <a:buFont typeface="Arial"/>
-              <a:buChar char="•"/>
-            </a:pPr>
-            <a:r>
-              <a:rPr lang="en-US" dirty="0" smtClean="0"/>
-              <a:t>Existing CP ticket categories and sub-categories + routing will remain available and as-is today</a:t>
-            </a:r>
-          </a:p>
-          <a:p>
-            <a:pPr marL="628650" lvl="1" indent="-171450">
-              <a:buFont typeface="Arial"/>
-              <a:buChar char="•"/>
-            </a:pPr>
-            <a:r>
-              <a:rPr lang="en-US" dirty="0" smtClean="0"/>
-              <a:t>CP authentication troubleshooting and verification</a:t>
-            </a:r>
-          </a:p>
-          <a:p>
-            <a:pPr marL="628650" lvl="1" indent="-171450">
-              <a:buFont typeface="Arial"/>
-              <a:buChar char="•"/>
-            </a:pPr>
-            <a:r>
-              <a:rPr lang="en-US" dirty="0" smtClean="0"/>
-              <a:t>Verify Cloud DNS infrastructure availability via existing DNS management/support tools</a:t>
-            </a:r>
-          </a:p>
-          <a:p>
-            <a:pPr marL="628650" lvl="1" indent="-171450">
-              <a:buFont typeface="Arial"/>
-              <a:buChar char="•"/>
-            </a:pPr>
-            <a:r>
-              <a:rPr lang="en-US" dirty="0" smtClean="0"/>
-              <a:t>Provide users with documentation where/when available</a:t>
-            </a:r>
-          </a:p>
-          <a:p>
-            <a:pPr marL="628650" lvl="1" indent="-171450">
-              <a:buFont typeface="Arial"/>
-              <a:buChar char="•"/>
-            </a:pPr>
-            <a:r>
-              <a:rPr lang="en-US" dirty="0" smtClean="0"/>
-              <a:t>Verify/confirm domain details via existing DNS management/support tools</a:t>
-            </a:r>
-          </a:p>
-          <a:p>
-            <a:pPr marL="628650" lvl="1" indent="-171450">
-              <a:buFont typeface="Arial"/>
-              <a:buChar char="•"/>
-            </a:pPr>
-            <a:r>
-              <a:rPr lang="en-US" dirty="0" smtClean="0"/>
-              <a:t>Assistance with domain migrations/transfers</a:t>
-            </a:r>
-          </a:p>
-          <a:p>
-            <a:pPr marL="628650" lvl="1" indent="-171450">
-              <a:buFont typeface="Arial"/>
-              <a:buChar char="•"/>
-            </a:pPr>
-            <a:r>
-              <a:rPr lang="en-US" dirty="0" smtClean="0"/>
-              <a:t>DNS Manager - General Support</a:t>
-            </a:r>
-          </a:p>
-          <a:p>
-            <a:pPr marL="628650" lvl="1" indent="-171450">
-              <a:buFont typeface="Arial"/>
-              <a:buChar char="•"/>
-            </a:pPr>
-            <a:r>
-              <a:rPr lang="en-US" dirty="0" smtClean="0"/>
-              <a:t>DNS Manager - Escalated Support</a:t>
-            </a:r>
-          </a:p>
-          <a:p>
-            <a:pPr marL="628650" lvl="1" indent="-171450">
-              <a:buFont typeface="Arial"/>
-              <a:buChar char="•"/>
-            </a:pPr>
-            <a:r>
-              <a:rPr lang="en-US" dirty="0" smtClean="0"/>
-              <a:t>Rackspace DNS Infrastructure - Escalated Support</a:t>
-            </a:r>
-          </a:p>
-          <a:p>
-            <a:pPr marL="0" indent="0">
-              <a:buNone/>
-            </a:pPr>
-            <a:endParaRPr lang="en-US" dirty="0" smtClean="0"/>
-          </a:p>
-          <a:p>
-            <a:pPr marL="171450" indent="-171450">
-              <a:buFont typeface="Arial"/>
-              <a:buChar char="•"/>
-            </a:pPr>
-            <a:r>
-              <a:rPr lang="en-US" dirty="0" smtClean="0"/>
-              <a:t>Core account Support should not create, configure, or delete any domains on behalf of a user; users will be solely responsible for creating, configuring, and deleting domains via API.</a:t>
-            </a:r>
-          </a:p>
-          <a:p>
-            <a:pPr marL="171450" indent="-171450">
-              <a:buFont typeface="Arial"/>
-              <a:buChar char="•"/>
-            </a:pPr>
-            <a:r>
-              <a:rPr lang="en-US" b="1" dirty="0" smtClean="0"/>
-              <a:t>NOTE: Managed Cloud Support may choose to provide this level of service based on their discretion and currently set expectations around DNS support at the Managed Cloud account level.</a:t>
-            </a:r>
-          </a:p>
-          <a:p>
+              <a:t>Additional</a:t>
+            </a:r>
+            <a:r>
+              <a:rPr lang="en-US" baseline="0" dirty="0" smtClean="0"/>
+              <a:t> information can be found at the following links.  </a:t>
+            </a:r>
             <a:endParaRPr lang="en-US" dirty="0"/>
           </a:p>
         </p:txBody>
@@ -1088,185 +845,7 @@
             <a:fld id="{A5E8145B-E57F-7042-809D-EFEA36287416}" type="slidenum">
               <a:rPr lang="en-US" smtClean="0"/>
               <a:pPr/>
-              <a:t>11</a:t>
-            </a:fld>
-            <a:endParaRPr lang="en-US" dirty="0"/>
-          </a:p>
-        </p:txBody>
-      </p:sp>
-    </p:spTree>
-    <p:extLst>
-      <p:ext uri="{BB962C8B-B14F-4D97-AF65-F5344CB8AC3E}">
-        <p14:creationId xmlns:p14="http://schemas.microsoft.com/office/powerpoint/2010/main" val="3643776726"/>
-      </p:ext>
-    </p:extLst>
-  </p:cSld>
-  <p:clrMapOvr>
-    <a:masterClrMapping/>
-  </p:clrMapOvr>
-</p:notes>
-</file>
-
-<file path=ppt/notesSlides/notesSlide11.xml><?xml version="1.0" encoding="utf-8"?>
-<p:notes xmlns:a="http://schemas.openxmlformats.org/drawingml/2006/main" xmlns:r="http://schemas.openxmlformats.org/officeDocument/2006/relationships" xmlns:p="http://schemas.openxmlformats.org/presentationml/2006/main">
-  <p:cSld>
-    <p:spTree>
-      <p:nvGrpSpPr>
-        <p:cNvPr id="1" name=""/>
-        <p:cNvGrpSpPr/>
-        <p:nvPr/>
-      </p:nvGrpSpPr>
-      <p:grpSpPr>
-        <a:xfrm>
-          <a:off x="0" y="0"/>
-          <a:ext cx="0" cy="0"/>
-          <a:chOff x="0" y="0"/>
-          <a:chExt cx="0" cy="0"/>
-        </a:xfrm>
-      </p:grpSpPr>
-      <p:sp>
-        <p:nvSpPr>
-          <p:cNvPr id="2" name="Slide Image Placeholder 1"/>
-          <p:cNvSpPr>
-            <a:spLocks noGrp="1" noRot="1" noChangeAspect="1"/>
-          </p:cNvSpPr>
-          <p:nvPr>
-            <p:ph type="sldImg"/>
-          </p:nvPr>
-        </p:nvSpPr>
-        <p:spPr/>
-      </p:sp>
-      <p:sp>
-        <p:nvSpPr>
-          <p:cNvPr id="3" name="Notes Placeholder 2"/>
-          <p:cNvSpPr>
-            <a:spLocks noGrp="1"/>
-          </p:cNvSpPr>
-          <p:nvPr>
-            <p:ph type="body" idx="1"/>
-          </p:nvPr>
-        </p:nvSpPr>
-        <p:spPr/>
-        <p:txBody>
-          <a:bodyPr/>
-          <a:lstStyle/>
-          <a:p>
-            <a:endParaRPr lang="en-US" dirty="0"/>
-          </a:p>
-        </p:txBody>
-      </p:sp>
-      <p:sp>
-        <p:nvSpPr>
-          <p:cNvPr id="4" name="Slide Number Placeholder 3"/>
-          <p:cNvSpPr>
-            <a:spLocks noGrp="1"/>
-          </p:cNvSpPr>
-          <p:nvPr>
-            <p:ph type="sldNum" sz="quarter" idx="10"/>
-          </p:nvPr>
-        </p:nvSpPr>
-        <p:spPr/>
-        <p:txBody>
-          <a:bodyPr/>
-          <a:lstStyle/>
-          <a:p>
-            <a:fld id="{A5E8145B-E57F-7042-809D-EFEA36287416}" type="slidenum">
-              <a:rPr lang="en-US" smtClean="0"/>
-              <a:pPr/>
-              <a:t>12</a:t>
-            </a:fld>
-            <a:endParaRPr lang="en-US" dirty="0"/>
-          </a:p>
-        </p:txBody>
-      </p:sp>
-    </p:spTree>
-    <p:extLst>
-      <p:ext uri="{BB962C8B-B14F-4D97-AF65-F5344CB8AC3E}">
-        <p14:creationId xmlns:p14="http://schemas.microsoft.com/office/powerpoint/2010/main" val="2283639109"/>
-      </p:ext>
-    </p:extLst>
-  </p:cSld>
-  <p:clrMapOvr>
-    <a:masterClrMapping/>
-  </p:clrMapOvr>
-</p:notes>
-</file>
-
-<file path=ppt/notesSlides/notesSlide12.xml><?xml version="1.0" encoding="utf-8"?>
-<p:notes xmlns:a="http://schemas.openxmlformats.org/drawingml/2006/main" xmlns:r="http://schemas.openxmlformats.org/officeDocument/2006/relationships" xmlns:p="http://schemas.openxmlformats.org/presentationml/2006/main">
-  <p:cSld>
-    <p:spTree>
-      <p:nvGrpSpPr>
-        <p:cNvPr id="1" name=""/>
-        <p:cNvGrpSpPr/>
-        <p:nvPr/>
-      </p:nvGrpSpPr>
-      <p:grpSpPr>
-        <a:xfrm>
-          <a:off x="0" y="0"/>
-          <a:ext cx="0" cy="0"/>
-          <a:chOff x="0" y="0"/>
-          <a:chExt cx="0" cy="0"/>
-        </a:xfrm>
-      </p:grpSpPr>
-      <p:sp>
-        <p:nvSpPr>
-          <p:cNvPr id="2" name="Slide Image Placeholder 1"/>
-          <p:cNvSpPr>
-            <a:spLocks noGrp="1" noRot="1" noChangeAspect="1"/>
-          </p:cNvSpPr>
-          <p:nvPr>
-            <p:ph type="sldImg"/>
-          </p:nvPr>
-        </p:nvSpPr>
-        <p:spPr/>
-      </p:sp>
-      <p:sp>
-        <p:nvSpPr>
-          <p:cNvPr id="3" name="Notes Placeholder 2"/>
-          <p:cNvSpPr>
-            <a:spLocks noGrp="1"/>
-          </p:cNvSpPr>
-          <p:nvPr>
-            <p:ph type="body" idx="1"/>
-          </p:nvPr>
-        </p:nvSpPr>
-        <p:spPr/>
-        <p:txBody>
-          <a:bodyPr/>
-          <a:lstStyle/>
-          <a:p>
-            <a:r>
-              <a:rPr lang="en-US" dirty="0" smtClean="0"/>
-              <a:t>Additional</a:t>
-            </a:r>
-            <a:r>
-              <a:rPr lang="en-US" baseline="0" dirty="0" smtClean="0"/>
-              <a:t> information can be found at the following links.  </a:t>
-            </a:r>
-            <a:endParaRPr lang="en-US" dirty="0"/>
-          </a:p>
-        </p:txBody>
-      </p:sp>
-      <p:sp>
-        <p:nvSpPr>
-          <p:cNvPr id="4" name="Slide Number Placeholder 3"/>
-          <p:cNvSpPr>
-            <a:spLocks noGrp="1"/>
-          </p:cNvSpPr>
-          <p:nvPr>
-            <p:ph type="sldNum" sz="quarter" idx="10"/>
-          </p:nvPr>
-        </p:nvSpPr>
-        <p:spPr/>
-        <p:txBody>
-          <a:bodyPr/>
-          <a:lstStyle/>
-          <a:p>
-            <a:fld id="{A5E8145B-E57F-7042-809D-EFEA36287416}" type="slidenum">
-              <a:rPr lang="en-US" smtClean="0"/>
-              <a:pPr/>
-              <a:t>15</a:t>
+              <a:t>13</a:t>
             </a:fld>
             <a:endParaRPr lang="en-US" dirty="0"/>
           </a:p>
@@ -3061,7 +2640,7 @@
             <a:fld id="{A5E8145B-E57F-7042-809D-EFEA36287416}" type="slidenum">
               <a:rPr lang="en-US" smtClean="0"/>
               <a:pPr/>
-              <a:t>6</a:t>
+              <a:t>7</a:t>
             </a:fld>
             <a:endParaRPr lang="en-US" dirty="0"/>
           </a:p>
@@ -3442,7 +3021,7 @@
             <a:fld id="{A5E8145B-E57F-7042-809D-EFEA36287416}" type="slidenum">
               <a:rPr lang="en-US" smtClean="0"/>
               <a:pPr/>
-              <a:t>7</a:t>
+              <a:t>8</a:t>
             </a:fld>
             <a:endParaRPr lang="en-US" dirty="0"/>
           </a:p>
@@ -3662,7 +3241,7 @@
             <a:fld id="{A5E8145B-E57F-7042-809D-EFEA36287416}" type="slidenum">
               <a:rPr lang="en-US" smtClean="0"/>
               <a:pPr/>
-              <a:t>8</a:t>
+              <a:t>9</a:t>
             </a:fld>
             <a:endParaRPr lang="en-US" dirty="0"/>
           </a:p>
@@ -3807,7 +3386,7 @@
             <a:fld id="{A5E8145B-E57F-7042-809D-EFEA36287416}" type="slidenum">
               <a:rPr lang="en-US" smtClean="0"/>
               <a:pPr/>
-              <a:t>9</a:t>
+              <a:t>10</a:t>
             </a:fld>
             <a:endParaRPr lang="en-US" dirty="0"/>
           </a:p>
@@ -3870,189 +3449,6 @@
           <a:bodyPr/>
           <a:lstStyle/>
           <a:p>
-            <a:pPr marL="171450" lvl="0" indent="-171450">
-              <a:buFont typeface="Arial"/>
-              <a:buChar char="•"/>
-            </a:pPr>
-            <a:r>
-              <a:rPr lang="en-US" sz="1200" kern="1200" dirty="0" smtClean="0">
-                <a:solidFill>
-                  <a:schemeClr val="tx1"/>
-                </a:solidFill>
-                <a:effectLst/>
-                <a:latin typeface="+mn-lt"/>
-                <a:ea typeface="+mn-ea"/>
-                <a:cs typeface="+mn-cs"/>
-              </a:rPr>
-              <a:t>Getting started using</a:t>
-            </a:r>
-            <a:r>
-              <a:rPr lang="en-US" sz="1200" kern="1200" baseline="0" dirty="0" smtClean="0">
-                <a:solidFill>
-                  <a:schemeClr val="tx1"/>
-                </a:solidFill>
-                <a:effectLst/>
-                <a:latin typeface="+mn-lt"/>
-                <a:ea typeface="+mn-ea"/>
-                <a:cs typeface="+mn-cs"/>
-              </a:rPr>
-              <a:t> Rackspace Cloud DNS is easy…</a:t>
-            </a:r>
-            <a:endParaRPr lang="en-US" sz="1200" kern="1200" dirty="0" smtClean="0">
-              <a:solidFill>
-                <a:schemeClr val="tx1"/>
-              </a:solidFill>
-              <a:effectLst/>
-              <a:latin typeface="+mn-lt"/>
-              <a:ea typeface="+mn-ea"/>
-              <a:cs typeface="+mn-cs"/>
-            </a:endParaRPr>
-          </a:p>
-          <a:p>
-            <a:pPr marL="171450" lvl="0" indent="-171450">
-              <a:buFont typeface="Arial"/>
-              <a:buChar char="•"/>
-            </a:pPr>
-            <a:endParaRPr lang="en-US" sz="1200" kern="1200" dirty="0" smtClean="0">
-              <a:solidFill>
-                <a:schemeClr val="tx1"/>
-              </a:solidFill>
-              <a:effectLst/>
-              <a:latin typeface="+mn-lt"/>
-              <a:ea typeface="+mn-ea"/>
-              <a:cs typeface="+mn-cs"/>
-            </a:endParaRPr>
-          </a:p>
-          <a:p>
-            <a:pPr marL="171450" lvl="0" indent="-171450">
-              <a:buFont typeface="Arial"/>
-              <a:buChar char="•"/>
-            </a:pPr>
-            <a:r>
-              <a:rPr lang="en-US" sz="1200" kern="1200" dirty="0" smtClean="0">
-                <a:solidFill>
-                  <a:schemeClr val="tx1"/>
-                </a:solidFill>
-                <a:effectLst/>
-                <a:latin typeface="+mn-lt"/>
-                <a:ea typeface="+mn-ea"/>
-                <a:cs typeface="+mn-cs"/>
-              </a:rPr>
-              <a:t>Sign-Up for a Rackspace Cloud Account </a:t>
-            </a:r>
-          </a:p>
-          <a:p>
-            <a:pPr marL="628650" lvl="1" indent="-171450">
-              <a:buFont typeface="Arial"/>
-              <a:buChar char="•"/>
-            </a:pPr>
-            <a:r>
-              <a:rPr lang="en-US" sz="1200" kern="1200" dirty="0" smtClean="0">
-                <a:solidFill>
-                  <a:schemeClr val="tx1"/>
-                </a:solidFill>
-                <a:effectLst/>
-                <a:latin typeface="+mn-lt"/>
-                <a:ea typeface="+mn-ea"/>
-                <a:cs typeface="+mn-cs"/>
-              </a:rPr>
-              <a:t>If you don't have a Rackspace Cloud account, go to the Order Now page and sign up for an account. Once you have a Rackspace Cloud account, you automatically have access to the Rackspace Cloud DNS  using your existing Rackspace Cloud Authentication credentials.  Before you begin, take a look at the Rackspace Cloud DNS  Developers guide for information on accessing and authenticating with the service.</a:t>
-            </a:r>
-          </a:p>
-          <a:p>
-            <a:pPr marL="171450" lvl="0" indent="-171450">
-              <a:buFont typeface="Arial"/>
-              <a:buChar char="•"/>
-            </a:pPr>
-            <a:r>
-              <a:rPr lang="en-US" sz="1200" kern="1200" dirty="0" smtClean="0">
-                <a:solidFill>
-                  <a:schemeClr val="tx1"/>
-                </a:solidFill>
-                <a:effectLst/>
-                <a:latin typeface="+mn-lt"/>
-                <a:ea typeface="+mn-ea"/>
-                <a:cs typeface="+mn-cs"/>
-              </a:rPr>
-              <a:t>Create or Import Domains</a:t>
-            </a:r>
-          </a:p>
-          <a:p>
-            <a:pPr marL="628650" lvl="1" indent="-171450">
-              <a:buFont typeface="Arial"/>
-              <a:buChar char="•"/>
-            </a:pPr>
-            <a:r>
-              <a:rPr lang="en-US" sz="1200" kern="1200" dirty="0" smtClean="0">
-                <a:solidFill>
-                  <a:schemeClr val="tx1"/>
-                </a:solidFill>
-                <a:effectLst/>
-                <a:latin typeface="+mn-lt"/>
-                <a:ea typeface="+mn-ea"/>
-                <a:cs typeface="+mn-cs"/>
-              </a:rPr>
-              <a:t>Using the Rackspace Cloud DNS  API, use the "Create Domains" or “Import Domains” API operation to start managing your domains. </a:t>
-            </a:r>
-            <a:r>
-              <a:rPr lang="en-US" sz="1200" i="1" kern="1200" dirty="0" smtClean="0">
-                <a:solidFill>
-                  <a:schemeClr val="tx1"/>
-                </a:solidFill>
-                <a:effectLst/>
-                <a:latin typeface="+mn-lt"/>
-                <a:ea typeface="+mn-ea"/>
-                <a:cs typeface="+mn-cs"/>
-              </a:rPr>
-              <a:t> Note: If you are already using the DNS management capabilities of the Cloud control panel, then all your existing domains will be capable of being managed from the API.</a:t>
-            </a:r>
-            <a:endParaRPr lang="en-US" sz="1200" kern="1200" dirty="0" smtClean="0">
-              <a:solidFill>
-                <a:schemeClr val="tx1"/>
-              </a:solidFill>
-              <a:effectLst/>
-              <a:latin typeface="+mn-lt"/>
-              <a:ea typeface="+mn-ea"/>
-              <a:cs typeface="+mn-cs"/>
-            </a:endParaRPr>
-          </a:p>
-          <a:p>
-            <a:pPr marL="171450" lvl="0" indent="-171450">
-              <a:buFont typeface="Arial"/>
-              <a:buChar char="•"/>
-            </a:pPr>
-            <a:r>
-              <a:rPr lang="en-US" sz="1200" kern="1200" dirty="0" smtClean="0">
-                <a:solidFill>
-                  <a:schemeClr val="tx1"/>
-                </a:solidFill>
-                <a:effectLst/>
-                <a:latin typeface="+mn-lt"/>
-                <a:ea typeface="+mn-ea"/>
-                <a:cs typeface="+mn-cs"/>
-              </a:rPr>
-              <a:t>Begin Managing your Domains</a:t>
-            </a:r>
-          </a:p>
-          <a:p>
-            <a:pPr marL="628650" lvl="1" indent="-171450">
-              <a:buFont typeface="Arial"/>
-              <a:buChar char="•"/>
-            </a:pPr>
-            <a:r>
-              <a:rPr lang="en-US" sz="1200" kern="1200" dirty="0" smtClean="0">
-                <a:solidFill>
-                  <a:schemeClr val="tx1"/>
-                </a:solidFill>
-                <a:effectLst/>
-                <a:latin typeface="+mn-lt"/>
-                <a:ea typeface="+mn-ea"/>
-                <a:cs typeface="+mn-cs"/>
-              </a:rPr>
-              <a:t>Leverage the API to list, add, modify, and remove domains and records as needed.</a:t>
-            </a:r>
-          </a:p>
-          <a:p>
             <a:endParaRPr lang="en-US" dirty="0"/>
           </a:p>
         </p:txBody>
@@ -4075,7 +3471,7 @@
             <a:fld id="{A5E8145B-E57F-7042-809D-EFEA36287416}" type="slidenum">
               <a:rPr lang="en-US" smtClean="0"/>
               <a:pPr/>
-              <a:t>10</a:t>
+              <a:t>11</a:t>
             </a:fld>
             <a:endParaRPr lang="en-US" dirty="0"/>
           </a:p>
@@ -4084,7 +3480,7 @@
     </p:spTree>
     <p:extLst>
       <p:ext uri="{BB962C8B-B14F-4D97-AF65-F5344CB8AC3E}">
-        <p14:creationId xmlns:p14="http://schemas.microsoft.com/office/powerpoint/2010/main" val="859534294"/>
+        <p14:creationId xmlns:p14="http://schemas.microsoft.com/office/powerpoint/2010/main" val="2283639109"/>
       </p:ext>
     </p:extLst>
   </p:cSld>
@@ -10024,7 +9420,7 @@
         <p:spPr>
           <a:xfrm>
             <a:off x="228600" y="3048000"/>
-            <a:ext cx="8686800" cy="2708434"/>
+            <a:ext cx="8686800" cy="2667000"/>
           </a:xfrm>
           <a:prstGeom prst="rect">
             <a:avLst/>
@@ -10032,7 +9428,7 @@
         </p:spPr>
         <p:txBody>
           <a:bodyPr wrap="square">
-            <a:spAutoFit/>
+            <a:noAutofit/>
           </a:bodyPr>
           <a:lstStyle/>
           <a:p>
@@ -10130,10 +9526,10 @@
                 <a:cs typeface="Arial"/>
                 <a:sym typeface="Calibri" charset="0"/>
               </a:rPr>
-              <a:t>DNS Management</a:t>
-            </a:r>
-            <a:br>
-              <a:rPr lang="en-US" sz="4400" dirty="0">
+              <a:t>DNS </a:t>
+            </a:r>
+            <a:r>
+              <a:rPr lang="en-US" sz="4400" dirty="0" smtClean="0">
                 <a:ln w="10160">
                   <a:solidFill>
                     <a:schemeClr val="accent1"/>
@@ -10154,9 +9550,56 @@
                 <a:cs typeface="Arial"/>
                 <a:sym typeface="Calibri" charset="0"/>
               </a:rPr>
-            </a:br>
-            <a:r>
-              <a:rPr lang="en-US" sz="5400" dirty="0">
+              <a:t>Management</a:t>
+            </a:r>
+            <a:endParaRPr lang="en-US" sz="5400" dirty="0" smtClean="0">
+              <a:ln w="10160">
+                <a:solidFill>
+                  <a:schemeClr val="accent1"/>
+                </a:solidFill>
+                <a:prstDash val="solid"/>
+              </a:ln>
+              <a:solidFill>
+                <a:srgbClr val="FFFFFF"/>
+              </a:solidFill>
+              <a:effectLst>
+                <a:outerShdw blurRad="38100" dist="32000" dir="5400000" algn="tl">
+                  <a:srgbClr val="000000">
+                    <a:alpha val="30000"/>
+                  </a:srgbClr>
+                </a:outerShdw>
+              </a:effectLst>
+              <a:latin typeface="Arial"/>
+              <a:cs typeface="Arial"/>
+              <a:sym typeface="Calibri" charset="0"/>
+            </a:endParaRPr>
+          </a:p>
+          <a:p>
+            <a:endParaRPr lang="en-US" sz="2800" dirty="0" smtClean="0">
+              <a:ln w="10160">
+                <a:solidFill>
+                  <a:schemeClr val="accent1"/>
+                </a:solidFill>
+                <a:prstDash val="solid"/>
+              </a:ln>
+              <a:solidFill>
+                <a:srgbClr val="FFFFFF"/>
+              </a:solidFill>
+              <a:effectLst>
+                <a:outerShdw blurRad="38100" dist="32000" dir="5400000" algn="tl">
+                  <a:srgbClr val="000000">
+                    <a:alpha val="30000"/>
+                  </a:srgbClr>
+                </a:outerShdw>
+              </a:effectLst>
+              <a:latin typeface="Arial"/>
+              <a:cs typeface="Arial"/>
+              <a:sym typeface="Calibri" charset="0"/>
+            </a:endParaRPr>
+          </a:p>
+          <a:p>
+            <a:r>
+              <a:rPr lang="en-US" sz="2800" dirty="0" smtClean="0">
                 <a:ln w="10160">
                   <a:solidFill>
                     <a:schemeClr val="accent1"/>
@@ -10177,10 +9620,10 @@
                 <a:cs typeface="Arial"/>
                 <a:sym typeface="Calibri" charset="0"/>
               </a:rPr>
-              <a:t/>
-            </a:r>
-            <a:br>
-              <a:rPr lang="en-US" sz="5400" dirty="0">
+              <a:t>Emmanuel </a:t>
+            </a:r>
+            <a:r>
+              <a:rPr lang="en-US" sz="2800" dirty="0" err="1" smtClean="0">
                 <a:ln w="10160">
                   <a:solidFill>
                     <a:schemeClr val="accent1"/>
@@ -10201,9 +9644,10 @@
                 <a:cs typeface="Arial"/>
                 <a:sym typeface="Calibri" charset="0"/>
               </a:rPr>
-            </a:br>
-            <a:r>
-              <a:rPr lang="en-US" sz="2800" dirty="0">
+              <a:t>Ankutse</a:t>
+            </a:r>
+            <a:r>
+              <a:rPr lang="en-US" sz="2800" dirty="0" smtClean="0">
                 <a:ln w="10160">
                   <a:solidFill>
                     <a:schemeClr val="accent1"/>
@@ -10224,7 +9668,81 @@
                 <a:cs typeface="Arial"/>
                 <a:sym typeface="Calibri" charset="0"/>
               </a:rPr>
-              <a:t>Daniel Morris, Sr. Product Manager - Platform</a:t>
+              <a:t> – Software Engineer - Platform</a:t>
+            </a:r>
+          </a:p>
+          <a:p>
+            <a:r>
+              <a:rPr lang="en-US" sz="2800" dirty="0" smtClean="0">
+                <a:ln w="10160">
+                  <a:solidFill>
+                    <a:schemeClr val="accent1"/>
+                  </a:solidFill>
+                  <a:prstDash val="solid"/>
+                </a:ln>
+                <a:solidFill>
+                  <a:srgbClr val="FFFFFF"/>
+                </a:solidFill>
+                <a:effectLst>
+                  <a:outerShdw blurRad="38100" dist="32000" dir="5400000" algn="tl">
+                    <a:srgbClr val="000000">
+                      <a:alpha val="30000"/>
+                    </a:srgbClr>
+                  </a:outerShdw>
+                </a:effectLst>
+                <a:latin typeface="Arial"/>
+                <a:cs typeface="Arial"/>
+                <a:sym typeface="Calibri" charset="0"/>
+              </a:rPr>
+              <a:t>Randall Burt</a:t>
+            </a:r>
+            <a:r>
+              <a:rPr lang="en-US" sz="2800" dirty="0">
+                <a:ln w="10160">
+                  <a:solidFill>
+                    <a:schemeClr val="accent1"/>
+                  </a:solidFill>
+                  <a:prstDash val="solid"/>
+                </a:ln>
+                <a:solidFill>
+                  <a:srgbClr val="FFFFFF"/>
+                </a:solidFill>
+                <a:effectLst>
+                  <a:outerShdw blurRad="38100" dist="32000" dir="5400000" algn="tl">
+                    <a:srgbClr val="000000">
+                      <a:alpha val="30000"/>
+                    </a:srgbClr>
+                  </a:outerShdw>
+                </a:effectLst>
+                <a:latin typeface="Arial"/>
+                <a:cs typeface="Arial"/>
+                <a:sym typeface="Calibri" charset="0"/>
+              </a:rPr>
+              <a:t> </a:t>
+            </a:r>
+            <a:r>
+              <a:rPr lang="en-US" sz="2800" dirty="0" smtClean="0">
+                <a:ln w="10160">
+                  <a:solidFill>
+                    <a:schemeClr val="accent1"/>
+                  </a:solidFill>
+                  <a:prstDash val="solid"/>
+                </a:ln>
+                <a:solidFill>
+                  <a:srgbClr val="FFFFFF"/>
+                </a:solidFill>
+                <a:effectLst>
+                  <a:outerShdw blurRad="38100" dist="32000" dir="5400000" algn="tl">
+                    <a:srgbClr val="000000">
+                      <a:alpha val="30000"/>
+                    </a:srgbClr>
+                  </a:outerShdw>
+                </a:effectLst>
+                <a:latin typeface="Arial"/>
+                <a:cs typeface="Arial"/>
+                <a:sym typeface="Calibri" charset="0"/>
+              </a:rPr>
+              <a:t>- Software Engineer - Platform</a:t>
             </a:r>
             <a:endParaRPr lang="en-US" sz="2800" dirty="0">
               <a:ln w="10160">
@@ -10258,7 +9776,7 @@
         <p:spPr>
           <a:xfrm>
             <a:off x="1219200" y="838200"/>
-            <a:ext cx="6400800" cy="1415772"/>
+            <a:ext cx="6400800" cy="1908215"/>
           </a:xfrm>
           <a:prstGeom prst="rect">
             <a:avLst/>
@@ -10339,7 +9857,78 @@
                 <a:latin typeface="Arial"/>
                 <a:cs typeface="Arial"/>
               </a:rPr>
-              <a:t>Tech Training</a:t>
+              <a:t>Rackspace </a:t>
+            </a:r>
+            <a:r>
+              <a:rPr lang="en-US" sz="3200" dirty="0" err="1" smtClean="0">
+                <a:ln w="10160">
+                  <a:solidFill>
+                    <a:schemeClr val="accent1"/>
+                  </a:solidFill>
+                  <a:prstDash val="solid"/>
+                </a:ln>
+                <a:solidFill>
+                  <a:srgbClr val="FFFFFF"/>
+                </a:solidFill>
+                <a:effectLst>
+                  <a:outerShdw blurRad="38100" dist="32000" dir="5400000" algn="tl">
+                    <a:srgbClr val="000000">
+                      <a:alpha val="30000"/>
+                    </a:srgbClr>
+                  </a:outerShdw>
+                </a:effectLst>
+                <a:latin typeface="Arial"/>
+                <a:cs typeface="Arial"/>
+              </a:rPr>
+              <a:t>TechTalk</a:t>
+            </a:r>
+            <a:r>
+              <a:rPr lang="en-US" sz="3200" dirty="0" smtClean="0">
+                <a:ln w="10160">
+                  <a:solidFill>
+                    <a:schemeClr val="accent1"/>
+                  </a:solidFill>
+                  <a:prstDash val="solid"/>
+                </a:ln>
+                <a:solidFill>
+                  <a:srgbClr val="FFFFFF"/>
+                </a:solidFill>
+                <a:effectLst>
+                  <a:outerShdw blurRad="38100" dist="32000" dir="5400000" algn="tl">
+                    <a:srgbClr val="000000">
+                      <a:alpha val="30000"/>
+                    </a:srgbClr>
+                  </a:outerShdw>
+                </a:effectLst>
+                <a:latin typeface="Arial"/>
+                <a:cs typeface="Arial"/>
+              </a:rPr>
+              <a:t> </a:t>
+            </a:r>
+          </a:p>
+          <a:p>
+            <a:r>
+              <a:rPr lang="en-US" sz="3200" dirty="0" smtClean="0">
+                <a:ln w="10160">
+                  <a:solidFill>
+                    <a:schemeClr val="accent1"/>
+                  </a:solidFill>
+                  <a:prstDash val="solid"/>
+                </a:ln>
+                <a:solidFill>
+                  <a:srgbClr val="FFFFFF"/>
+                </a:solidFill>
+                <a:effectLst>
+                  <a:outerShdw blurRad="38100" dist="32000" dir="5400000" algn="tl">
+                    <a:srgbClr val="000000">
+                      <a:alpha val="30000"/>
+                    </a:srgbClr>
+                  </a:outerShdw>
+                </a:effectLst>
+                <a:latin typeface="Arial"/>
+                <a:cs typeface="Arial"/>
+              </a:rPr>
+              <a:t>October 28, 2011</a:t>
             </a:r>
             <a:endParaRPr lang="en-US" sz="3200" dirty="0"/>
           </a:p>
@@ -10378,6 +9967,30 @@
           <a:chExt cx="0" cy="0"/>
         </a:xfrm>
       </p:grpSpPr>
+      <p:pic>
+        <p:nvPicPr>
+          <p:cNvPr id="5" name="Picture 4"/>
+          <p:cNvPicPr>
+            <a:picLocks noChangeAspect="1"/>
+          </p:cNvPicPr>
+          <p:nvPr/>
+        </p:nvPicPr>
+        <p:blipFill>
+          <a:blip r:embed="rId3"/>
+          <a:stretch>
+            <a:fillRect/>
+          </a:stretch>
+        </p:blipFill>
+        <p:spPr>
+          <a:xfrm>
+            <a:off x="6553200" y="1295400"/>
+            <a:ext cx="2590800" cy="2590800"/>
+          </a:xfrm>
+          <a:prstGeom prst="rect">
+            <a:avLst/>
+          </a:prstGeom>
+        </p:spPr>
+      </p:pic>
       <p:sp>
         <p:nvSpPr>
           <p:cNvPr id="2" name="Title 1"/>
@@ -10395,7 +10008,74 @@
           <a:p>
             <a:r>
               <a:rPr lang="en-US" dirty="0" smtClean="0"/>
-              <a:t>HOW DO YOU SIGN UP</a:t>
+              <a:t>HOW MUCH DOES IT COST?</a:t>
+            </a:r>
+            <a:endParaRPr lang="en-US" dirty="0"/>
+          </a:p>
+        </p:txBody>
+      </p:sp>
+      <p:sp>
+        <p:nvSpPr>
+          <p:cNvPr id="3" name="Content Placeholder 2"/>
+          <p:cNvSpPr>
+            <a:spLocks noGrp="1"/>
+          </p:cNvSpPr>
+          <p:nvPr>
+            <p:ph idx="1"/>
+          </p:nvPr>
+        </p:nvSpPr>
+        <p:spPr>
+          <a:xfrm>
+            <a:off x="457200" y="1600200"/>
+            <a:ext cx="6172200" cy="4572000"/>
+          </a:xfrm>
+        </p:spPr>
+        <p:txBody>
+          <a:bodyPr>
+            <a:normAutofit/>
+          </a:bodyPr>
+          <a:lstStyle/>
+          <a:p>
+            <a:r>
+              <a:rPr lang="en-US" dirty="0"/>
+              <a:t>There is no cost for </a:t>
+            </a:r>
+            <a:r>
+              <a:rPr lang="en-US" dirty="0" smtClean="0"/>
+              <a:t>using </a:t>
+            </a:r>
+            <a:r>
+              <a:rPr lang="en-US" dirty="0"/>
+              <a:t>Rackspace Cloud </a:t>
+            </a:r>
+            <a:r>
+              <a:rPr lang="en-US" dirty="0" smtClean="0"/>
+              <a:t>DNS!</a:t>
+            </a:r>
+            <a:endParaRPr lang="en-US" dirty="0"/>
+          </a:p>
+          <a:p>
+            <a:pPr marL="0" indent="0">
+              <a:buNone/>
+            </a:pPr>
+            <a:endParaRPr lang="en-US" dirty="0"/>
+          </a:p>
+          <a:p>
+            <a:r>
+              <a:rPr lang="en-US" dirty="0"/>
+              <a:t>Existing Cloud Servers, Cloud Servers with a Managed Service Level, RackConnect, and Cloud Sites customers have access to the Rackspace Cloud </a:t>
+            </a:r>
+            <a:r>
+              <a:rPr lang="en-US" dirty="0" smtClean="0"/>
+              <a:t>DNS </a:t>
+            </a:r>
+            <a:r>
+              <a:rPr lang="en-US" dirty="0"/>
+              <a:t>by default</a:t>
+            </a:r>
+            <a:r>
+              <a:rPr lang="en-US" dirty="0" smtClean="0"/>
+              <a:t>.</a:t>
             </a:r>
             <a:endParaRPr lang="en-US" dirty="0"/>
           </a:p>
@@ -10430,178 +10110,10 @@
           </a:p>
         </p:txBody>
       </p:sp>
-      <p:sp>
-        <p:nvSpPr>
-          <p:cNvPr id="5" name="Rectangle 4"/>
-          <p:cNvSpPr/>
-          <p:nvPr/>
-        </p:nvSpPr>
-        <p:spPr>
-          <a:xfrm>
-            <a:off x="3733800" y="6324600"/>
-            <a:ext cx="1620957" cy="461665"/>
-          </a:xfrm>
-          <a:prstGeom prst="rect">
-            <a:avLst/>
-          </a:prstGeom>
-        </p:spPr>
-        <p:txBody>
-          <a:bodyPr wrap="none">
-            <a:spAutoFit/>
-          </a:bodyPr>
-          <a:lstStyle/>
-          <a:p>
-            <a:pPr lvl="0"/>
-            <a:r>
-              <a:rPr lang="en-US" sz="2400" dirty="0">
-                <a:hlinkClick r:id="rId3"/>
-              </a:rPr>
-              <a:t>API GUIDE</a:t>
-            </a:r>
-            <a:endParaRPr lang="en-US" sz="2400" dirty="0"/>
-          </a:p>
-        </p:txBody>
-      </p:sp>
-      <p:pic>
-        <p:nvPicPr>
-          <p:cNvPr id="8" name="Picture 7"/>
-          <p:cNvPicPr>
-            <a:picLocks noChangeAspect="1"/>
-          </p:cNvPicPr>
-          <p:nvPr/>
-        </p:nvPicPr>
-        <p:blipFill>
-          <a:blip r:embed="rId4"/>
-          <a:stretch>
-            <a:fillRect/>
-          </a:stretch>
-        </p:blipFill>
-        <p:spPr>
-          <a:xfrm>
-            <a:off x="3886200" y="1295400"/>
-            <a:ext cx="4577202" cy="4683794"/>
-          </a:xfrm>
-          <a:prstGeom prst="rect">
-            <a:avLst/>
-          </a:prstGeom>
-          <a:solidFill>
-            <a:srgbClr val="FFFFFF">
-              <a:shade val="85000"/>
-            </a:srgbClr>
-          </a:solidFill>
-          <a:ln w="190500" cap="sq">
-            <a:solidFill>
-              <a:srgbClr val="FFFFFF"/>
-            </a:solidFill>
-            <a:miter lim="800000"/>
-          </a:ln>
-          <a:effectLst>
-            <a:outerShdw blurRad="65000" dist="50800" dir="12900000" kx="195000" ky="145000" algn="tl" rotWithShape="0">
-              <a:srgbClr val="000000">
-                <a:alpha val="30000"/>
-              </a:srgbClr>
-            </a:outerShdw>
-          </a:effectLst>
-          <a:scene3d>
-            <a:camera prst="orthographicFront">
-              <a:rot lat="0" lon="0" rev="360000"/>
-            </a:camera>
-            <a:lightRig rig="twoPt" dir="t">
-              <a:rot lat="0" lon="0" rev="7200000"/>
-            </a:lightRig>
-          </a:scene3d>
-          <a:sp3d contourW="12700">
-            <a:bevelT w="25400" h="19050"/>
-            <a:contourClr>
-              <a:srgbClr val="969696"/>
-            </a:contourClr>
-          </a:sp3d>
-        </p:spPr>
-      </p:pic>
-      <p:sp>
-        <p:nvSpPr>
-          <p:cNvPr id="9" name="TextBox 8"/>
-          <p:cNvSpPr txBox="1"/>
-          <p:nvPr/>
-        </p:nvSpPr>
-        <p:spPr>
-          <a:xfrm>
-            <a:off x="-228600" y="2286000"/>
-            <a:ext cx="4000200" cy="2031325"/>
-          </a:xfrm>
-          <a:prstGeom prst="rect">
-            <a:avLst/>
-          </a:prstGeom>
-          <a:noFill/>
-        </p:spPr>
-        <p:txBody>
-          <a:bodyPr wrap="square" rtlCol="0">
-            <a:spAutoFit/>
-          </a:bodyPr>
-          <a:lstStyle/>
-          <a:p>
-            <a:r>
-              <a:rPr lang="en-US" dirty="0" smtClean="0">
-                <a:latin typeface="Chalkduster"/>
-                <a:cs typeface="Chalkduster"/>
-              </a:rPr>
-              <a:t>Get a Cloud Account</a:t>
-            </a:r>
-            <a:endParaRPr lang="en-US" dirty="0">
-              <a:latin typeface="Chalkduster"/>
-              <a:cs typeface="Chalkduster"/>
-            </a:endParaRPr>
-          </a:p>
-        </p:txBody>
-      </p:sp>
-      <p:cxnSp>
-        <p:nvCxnSpPr>
-          <p:cNvPr id="11" name="Curved Connector 10"/>
-          <p:cNvCxnSpPr>
-            <a:stCxn id="9" idx="2"/>
-          </p:cNvCxnSpPr>
-          <p:nvPr/>
-        </p:nvCxnSpPr>
-        <p:spPr bwMode="auto">
-          <a:xfrm rot="16200000" flipH="1">
-            <a:off x="2358613" y="3730212"/>
-            <a:ext cx="788075" cy="1962300"/>
-          </a:xfrm>
-          <a:prstGeom prst="curvedConnector2">
-            <a:avLst/>
-          </a:prstGeom>
-          <a:solidFill>
-            <a:schemeClr val="accent1"/>
-          </a:solidFill>
-          <a:ln w="25400" cap="flat" cmpd="sng" algn="ctr">
-            <a:solidFill>
-              <a:srgbClr val="000000"/>
-            </a:solidFill>
-            <a:prstDash val="solid"/>
-            <a:round/>
-            <a:headEnd type="none" w="med" len="med"/>
-            <a:tailEnd type="arrow"/>
-          </a:ln>
-          <a:effectLst/>
-          <a:extLst>
-            <a:ext uri="{AF507438-7753-43e0-B8FC-AC1667EBCBE1}">
-              <a14:hiddenEffects xmlns:a14="http://schemas.microsoft.com/office/drawing/2010/main">
-                <a:effectLst>
-                  <a:outerShdw blurRad="63500" dist="38099" dir="2700000" algn="ctr" rotWithShape="0">
-                    <a:schemeClr val="bg2">
-                      <a:alpha val="74998"/>
-                    </a:schemeClr>
-                  </a:outerShdw>
-                </a:effectLst>
-              </a14:hiddenEffects>
-            </a:ext>
-          </a:extLst>
-        </p:spPr>
-      </p:cxnSp>
     </p:spTree>
     <p:extLst>
       <p:ext uri="{BB962C8B-B14F-4D97-AF65-F5344CB8AC3E}">
-        <p14:creationId xmlns:p14="http://schemas.microsoft.com/office/powerpoint/2010/main" val="2404127713"/>
+        <p14:creationId xmlns:p14="http://schemas.microsoft.com/office/powerpoint/2010/main" val="1619681707"/>
       </p:ext>
     </p:extLst>
   </p:cSld>
@@ -10620,250 +10132,6 @@
 </file>
 
 <file path=ppt/slides/slide11.xml><?xml version="1.0" encoding="utf-8"?>
-<p:sld xmlns:a="http://schemas.openxmlformats.org/drawingml/2006/main" xmlns:r="http://schemas.openxmlformats.org/officeDocument/2006/relationships" xmlns:p="http://schemas.openxmlformats.org/presentationml/2006/main">
-  <p:cSld>
-    <p:spTree>
-      <p:nvGrpSpPr>
-        <p:cNvPr id="1" name=""/>
-        <p:cNvGrpSpPr/>
-        <p:nvPr/>
-      </p:nvGrpSpPr>
-      <p:grpSpPr>
-        <a:xfrm>
-          <a:off x="0" y="0"/>
-          <a:ext cx="0" cy="0"/>
-          <a:chOff x="0" y="0"/>
-          <a:chExt cx="0" cy="0"/>
-        </a:xfrm>
-      </p:grpSpPr>
-      <p:sp>
-        <p:nvSpPr>
-          <p:cNvPr id="2" name="Title 1"/>
-          <p:cNvSpPr>
-            <a:spLocks noGrp="1"/>
-          </p:cNvSpPr>
-          <p:nvPr>
-            <p:ph type="title"/>
-          </p:nvPr>
-        </p:nvSpPr>
-        <p:spPr/>
-        <p:txBody>
-          <a:bodyPr/>
-          <a:lstStyle/>
-          <a:p>
-            <a:r>
-              <a:rPr lang="en-US" dirty="0" smtClean="0"/>
-              <a:t>WHAT DO WE SUPPORT?</a:t>
-            </a:r>
-            <a:endParaRPr lang="en-US" dirty="0"/>
-          </a:p>
-        </p:txBody>
-      </p:sp>
-      <p:sp>
-        <p:nvSpPr>
-          <p:cNvPr id="3" name="Content Placeholder 2"/>
-          <p:cNvSpPr>
-            <a:spLocks noGrp="1"/>
-          </p:cNvSpPr>
-          <p:nvPr>
-            <p:ph idx="1"/>
-          </p:nvPr>
-        </p:nvSpPr>
-        <p:spPr/>
-        <p:txBody>
-          <a:bodyPr>
-            <a:normAutofit fontScale="55000" lnSpcReduction="20000"/>
-          </a:bodyPr>
-          <a:lstStyle/>
-          <a:p>
-            <a:pPr marL="0" indent="0">
-              <a:buNone/>
-            </a:pPr>
-            <a:r>
-              <a:rPr lang="en-US" b="1" dirty="0"/>
-              <a:t>Backed by Fanatical Support</a:t>
-            </a:r>
-          </a:p>
-          <a:p>
-            <a:r>
-              <a:rPr lang="en-US" dirty="0"/>
-              <a:t>Chat/phone/ticket support available during normal business hours</a:t>
-            </a:r>
-          </a:p>
-          <a:p>
-            <a:endParaRPr lang="en-US" dirty="0"/>
-          </a:p>
-          <a:p>
-            <a:pPr marL="0" indent="0">
-              <a:buNone/>
-            </a:pPr>
-            <a:r>
-              <a:rPr lang="en-US" b="1" dirty="0"/>
-              <a:t>Support includes:</a:t>
-            </a:r>
-          </a:p>
-          <a:p>
-            <a:pPr marL="285750" lvl="0" indent="-285750">
-              <a:buFont typeface="Arial"/>
-              <a:buChar char="•"/>
-            </a:pPr>
-            <a:r>
-              <a:rPr lang="en-US" dirty="0"/>
-              <a:t>Authentication troubleshooting and verification</a:t>
-            </a:r>
-          </a:p>
-          <a:p>
-            <a:pPr marL="285750" lvl="0" indent="-285750">
-              <a:buFont typeface="Arial"/>
-              <a:buChar char="•"/>
-            </a:pPr>
-            <a:r>
-              <a:rPr lang="en-US" dirty="0"/>
-              <a:t>Basic Guidance for what API calls to use based on user needs</a:t>
-            </a:r>
-          </a:p>
-          <a:p>
-            <a:pPr marL="285750" lvl="0" indent="-285750">
-              <a:buFont typeface="Arial"/>
-              <a:buChar char="•"/>
-            </a:pPr>
-            <a:r>
-              <a:rPr lang="en-US" dirty="0"/>
-              <a:t>Verify DNS infrastructure availability</a:t>
-            </a:r>
-          </a:p>
-          <a:p>
-            <a:pPr marL="285750" lvl="0" indent="-285750">
-              <a:buFont typeface="Arial"/>
-              <a:buChar char="•"/>
-            </a:pPr>
-            <a:r>
-              <a:rPr lang="en-US" dirty="0"/>
-              <a:t>Provide documentation where available</a:t>
-            </a:r>
-          </a:p>
-          <a:p>
-            <a:pPr marL="285750" lvl="0" indent="-285750">
-              <a:buFont typeface="Arial"/>
-              <a:buChar char="•"/>
-            </a:pPr>
-            <a:r>
-              <a:rPr lang="en-US" dirty="0"/>
-              <a:t>Verify/confirm DNS details</a:t>
-            </a:r>
-          </a:p>
-          <a:p>
-            <a:pPr marL="285750" lvl="0" indent="-285750">
-              <a:buFont typeface="Arial"/>
-              <a:buChar char="•"/>
-            </a:pPr>
-            <a:r>
-              <a:rPr lang="en-US" dirty="0"/>
-              <a:t>1</a:t>
-            </a:r>
-            <a:r>
-              <a:rPr lang="en-US" baseline="30000" dirty="0"/>
-              <a:t>st</a:t>
-            </a:r>
-            <a:r>
-              <a:rPr lang="en-US" dirty="0"/>
-              <a:t>, 2</a:t>
-            </a:r>
-            <a:r>
-              <a:rPr lang="en-US" baseline="30000" dirty="0"/>
-              <a:t>nd</a:t>
-            </a:r>
-            <a:r>
-              <a:rPr lang="en-US" dirty="0"/>
-              <a:t>, and 3</a:t>
-            </a:r>
-            <a:r>
-              <a:rPr lang="en-US" baseline="30000" dirty="0"/>
-              <a:t>rd</a:t>
-            </a:r>
-            <a:r>
-              <a:rPr lang="en-US" dirty="0"/>
-              <a:t> level escalation support (see speaker notes)</a:t>
-            </a:r>
-          </a:p>
-          <a:p>
-            <a:pPr marL="285750" lvl="0" indent="-285750">
-              <a:buFont typeface="Arial"/>
-              <a:buChar char="•"/>
-            </a:pPr>
-            <a:endParaRPr lang="en-US" dirty="0"/>
-          </a:p>
-          <a:p>
-            <a:pPr marL="0" indent="0" algn="ctr">
-              <a:buNone/>
-            </a:pPr>
-            <a:r>
-              <a:rPr lang="en-US" sz="3600" i="1" dirty="0"/>
-              <a:t>Encourage your customers to begin using the new Cloud DNS API today.  The API’s capabilities available for customers will significantly lower our existing support burden.</a:t>
-            </a:r>
-          </a:p>
-          <a:p>
-            <a:endParaRPr lang="en-US" dirty="0"/>
-          </a:p>
-          <a:p>
-            <a:endParaRPr lang="en-US" dirty="0"/>
-          </a:p>
-          <a:p>
-            <a:endParaRPr lang="en-US" dirty="0"/>
-          </a:p>
-        </p:txBody>
-      </p:sp>
-      <p:sp>
-        <p:nvSpPr>
-          <p:cNvPr id="4" name="Slide Number Placeholder 3"/>
-          <p:cNvSpPr>
-            <a:spLocks noGrp="1"/>
-          </p:cNvSpPr>
-          <p:nvPr>
-            <p:ph type="sldNum" sz="quarter" idx="10"/>
-          </p:nvPr>
-        </p:nvSpPr>
-        <p:spPr/>
-        <p:txBody>
-          <a:bodyPr/>
-          <a:lstStyle/>
-          <a:p>
-            <a:pPr>
-              <a:defRPr/>
-            </a:pPr>
-            <a:fld id="{884F1976-FC0F-224B-8A7A-A2BF98A1E361}" type="slidenum">
-              <a:rPr lang="en-US" smtClean="0"/>
-              <a:pPr>
-                <a:defRPr/>
-              </a:pPr>
-              <a:t>11</a:t>
-            </a:fld>
-            <a:endParaRPr lang="en-US" dirty="0"/>
-          </a:p>
-        </p:txBody>
-      </p:sp>
-    </p:spTree>
-    <p:extLst>
-      <p:ext uri="{BB962C8B-B14F-4D97-AF65-F5344CB8AC3E}">
-        <p14:creationId xmlns:p14="http://schemas.microsoft.com/office/powerpoint/2010/main" val="2206875617"/>
-      </p:ext>
-    </p:extLst>
-  </p:cSld>
-  <p:clrMapOvr>
-    <a:masterClrMapping/>
-  </p:clrMapOvr>
-  <p:transition xmlns:p14="http://schemas.microsoft.com/office/powerpoint/2010/main"/>
-  <p:timing>
-    <p:tnLst>
-      <p:par>
-        <p:cTn xmlns:p14="http://schemas.microsoft.com/office/powerpoint/2010/main" id="1" dur="indefinite" restart="never" nodeType="tmRoot"/>
-      </p:par>
-    </p:tnLst>
-  </p:timing>
-</p:sld>
-</file>
-
-<file path=ppt/slides/slide12.xml><?xml version="1.0" encoding="utf-8"?>
 <p:sld xmlns:a="http://schemas.openxmlformats.org/drawingml/2006/main" xmlns:r="http://schemas.openxmlformats.org/officeDocument/2006/relationships" xmlns:p="http://schemas.openxmlformats.org/presentationml/2006/main">
   <p:cSld>
     <p:spTree>
@@ -10972,41 +10240,6 @@
           </a:p>
         </p:txBody>
       </p:sp>
-      <p:pic>
-        <p:nvPicPr>
-          <p:cNvPr id="6" name="Picture 5" descr="Unknown-1.png"/>
-          <p:cNvPicPr>
-            <a:picLocks noChangeAspect="1"/>
-          </p:cNvPicPr>
-          <p:nvPr/>
-        </p:nvPicPr>
-        <p:blipFill>
-          <a:blip r:embed="rId4">
-            <a:extLst>
-              <a:ext uri="{28A0092B-C50C-407E-A947-70E740481C1C}">
-                <a14:useLocalDpi xmlns:a14="http://schemas.microsoft.com/office/drawing/2010/main" val="0"/>
-              </a:ext>
-            </a:extLst>
-          </a:blip>
-          <a:stretch>
-            <a:fillRect/>
-          </a:stretch>
-        </p:blipFill>
-        <p:spPr>
-          <a:xfrm>
-            <a:off x="2544698" y="1447800"/>
-            <a:ext cx="3978404" cy="1981200"/>
-          </a:xfrm>
-          <a:prstGeom prst="rect">
-            <a:avLst/>
-          </a:prstGeom>
-          <a:ln>
-            <a:solidFill>
-              <a:srgbClr val="000000"/>
-            </a:solidFill>
-          </a:ln>
-        </p:spPr>
-      </p:pic>
       <p:sp>
         <p:nvSpPr>
           <p:cNvPr id="3" name="Content Placeholder 2"/>
@@ -11019,70 +10252,80 @@
         </p:nvSpPr>
         <p:spPr>
           <a:xfrm>
-            <a:off x="457200" y="3581400"/>
-            <a:ext cx="8229600" cy="2590800"/>
+            <a:off x="457200" y="1524000"/>
+            <a:ext cx="8229600" cy="4648200"/>
           </a:xfrm>
         </p:spPr>
         <p:txBody>
           <a:bodyPr>
-            <a:normAutofit fontScale="92500" lnSpcReduction="20000"/>
+            <a:normAutofit/>
           </a:bodyPr>
           <a:lstStyle/>
           <a:p>
             <a:r>
               <a:rPr lang="en-US" dirty="0" smtClean="0"/>
-              <a:t>Technical Questions (SME’s)</a:t>
+              <a:t>Technical Questions</a:t>
             </a:r>
           </a:p>
           <a:p>
             <a:pPr lvl="1"/>
             <a:r>
-              <a:rPr lang="en-US" b="1" dirty="0"/>
-              <a:t>First shift: </a:t>
-            </a:r>
-            <a:r>
-              <a:rPr lang="en-US" dirty="0"/>
-              <a:t>Darren Carpenter, Travis Hall</a:t>
-            </a:r>
+              <a:rPr lang="en-US" sz="2400" dirty="0" smtClean="0"/>
+              <a:t>Emmanuel </a:t>
+            </a:r>
+            <a:r>
+              <a:rPr lang="en-US" sz="2400" dirty="0" err="1" smtClean="0"/>
+              <a:t>Ankutse</a:t>
+            </a:r>
+            <a:r>
+              <a:rPr lang="en-US" sz="2400" dirty="0"/>
+              <a:t>:</a:t>
+            </a:r>
+            <a:r>
+              <a:rPr lang="en-US" sz="2400" dirty="0" smtClean="0"/>
+              <a:t> </a:t>
+            </a:r>
+            <a:r>
+              <a:rPr lang="en-US" sz="2400" dirty="0" err="1" smtClean="0"/>
+              <a:t>emmanuel.ankutse@rackspace.com</a:t>
+            </a:r>
+            <a:endParaRPr lang="en-US" sz="2400" dirty="0" smtClean="0"/>
           </a:p>
           <a:p>
             <a:pPr lvl="1"/>
             <a:r>
-              <a:rPr lang="en-US" b="1" dirty="0"/>
-              <a:t>Second shift: </a:t>
-            </a:r>
-            <a:r>
-              <a:rPr lang="en-US" dirty="0"/>
-              <a:t>Mark </a:t>
-            </a:r>
-            <a:r>
-              <a:rPr lang="en-US" dirty="0" err="1"/>
-              <a:t>Lessel</a:t>
-            </a:r>
-            <a:endParaRPr lang="en-US" dirty="0"/>
+              <a:rPr lang="en-US" sz="2400" dirty="0" smtClean="0"/>
+              <a:t>Randall Burt: </a:t>
+            </a:r>
+            <a:r>
+              <a:rPr lang="en-US" sz="2400" dirty="0" err="1" smtClean="0"/>
+              <a:t>randall.burt@rackspace.com</a:t>
+            </a:r>
+            <a:endParaRPr lang="en-US" sz="2400" dirty="0" smtClean="0"/>
           </a:p>
           <a:p>
             <a:pPr lvl="1"/>
             <a:r>
-              <a:rPr lang="en-US" b="1" dirty="0"/>
-              <a:t>Third shift: </a:t>
-            </a:r>
-            <a:r>
-              <a:rPr lang="en-US" dirty="0"/>
-              <a:t>Sam </a:t>
-            </a:r>
-            <a:r>
-              <a:rPr lang="en-US" dirty="0" err="1"/>
-              <a:t>Chapler</a:t>
-            </a:r>
-            <a:r>
-              <a:rPr lang="en-US" dirty="0"/>
-              <a:t>, Miguel </a:t>
-            </a:r>
-            <a:r>
-              <a:rPr lang="en-US" dirty="0" smtClean="0"/>
-              <a:t>Salazar</a:t>
-            </a:r>
+              <a:rPr lang="en-US" sz="2400" dirty="0" smtClean="0"/>
+              <a:t>Craig Cobb: </a:t>
+            </a:r>
+            <a:r>
+              <a:rPr lang="en-US" sz="2400" dirty="0" err="1" smtClean="0"/>
+              <a:t>craig.cobb@rackspace.com</a:t>
+            </a:r>
+            <a:endParaRPr lang="en-US" sz="2400" dirty="0" smtClean="0"/>
+          </a:p>
+          <a:p>
+            <a:pPr lvl="1"/>
+            <a:r>
+              <a:rPr lang="en-US" sz="2400" dirty="0" smtClean="0"/>
+              <a:t>Justin Jose: </a:t>
+            </a:r>
+            <a:r>
+              <a:rPr lang="en-US" sz="2400" dirty="0" err="1" smtClean="0"/>
+              <a:t>justin.jose@rackspace.com</a:t>
+            </a:r>
+            <a:endParaRPr lang="en-US" sz="2400" dirty="0" smtClean="0"/>
           </a:p>
           <a:p>
             <a:r>
@@ -11094,7 +10337,25 @@
             <a:pPr lvl="1"/>
             <a:r>
               <a:rPr lang="en-US" dirty="0" smtClean="0"/>
-              <a:t>Daniel Morris – daniel.morris@rackspace.com</a:t>
+              <a:t>Daniel Morris: </a:t>
+            </a:r>
+            <a:r>
+              <a:rPr lang="en-US" dirty="0" smtClean="0">
+                <a:hlinkClick r:id="rId4"/>
+              </a:rPr>
+              <a:t>daniel.morris@rackspace.com</a:t>
+            </a:r>
+            <a:endParaRPr lang="en-US" dirty="0" smtClean="0"/>
+          </a:p>
+          <a:p>
+            <a:pPr lvl="1"/>
+            <a:r>
+              <a:rPr lang="en-US" dirty="0" smtClean="0"/>
+              <a:t>Nicole Hairston: </a:t>
+            </a:r>
+            <a:r>
+              <a:rPr lang="en-US" dirty="0" err="1" smtClean="0"/>
+              <a:t>nicole.hairston@rackspace.com</a:t>
             </a:r>
             <a:endParaRPr lang="en-US" dirty="0"/>
           </a:p>
@@ -11116,7 +10377,7 @@
 </p:sld>
 </file>
 
-<file path=ppt/slides/slide13.xml><?xml version="1.0" encoding="utf-8"?>
+<file path=ppt/slides/slide12.xml><?xml version="1.0" encoding="utf-8"?>
 <p:sld xmlns:a="http://schemas.openxmlformats.org/drawingml/2006/main" xmlns:r="http://schemas.openxmlformats.org/officeDocument/2006/relationships" xmlns:p="http://schemas.openxmlformats.org/presentationml/2006/main">
   <p:cSld>
     <p:spTree>
@@ -11135,115 +10396,6 @@
       </p:grpSpPr>
       <p:sp>
         <p:nvSpPr>
-          <p:cNvPr id="2" name="Title 1"/>
-          <p:cNvSpPr>
-            <a:spLocks noGrp="1"/>
-          </p:cNvSpPr>
-          <p:nvPr>
-            <p:ph type="title"/>
-          </p:nvPr>
-        </p:nvSpPr>
-        <p:spPr/>
-        <p:txBody>
-          <a:bodyPr/>
-          <a:lstStyle/>
-          <a:p>
-            <a:r>
-              <a:rPr lang="en-US" dirty="0" smtClean="0"/>
-              <a:t>BACKUP SLIDES</a:t>
-            </a:r>
-            <a:endParaRPr lang="en-US" dirty="0"/>
-          </a:p>
-        </p:txBody>
-      </p:sp>
-      <p:sp>
-        <p:nvSpPr>
-          <p:cNvPr id="3" name="Content Placeholder 2"/>
-          <p:cNvSpPr>
-            <a:spLocks noGrp="1"/>
-          </p:cNvSpPr>
-          <p:nvPr>
-            <p:ph idx="1"/>
-          </p:nvPr>
-        </p:nvSpPr>
-        <p:spPr/>
-        <p:txBody>
-          <a:bodyPr/>
-          <a:lstStyle/>
-          <a:p>
-            <a:endParaRPr lang="en-US" dirty="0"/>
-          </a:p>
-        </p:txBody>
-      </p:sp>
-      <p:sp>
-        <p:nvSpPr>
-          <p:cNvPr id="4" name="Slide Number Placeholder 3"/>
-          <p:cNvSpPr>
-            <a:spLocks noGrp="1"/>
-          </p:cNvSpPr>
-          <p:nvPr>
-            <p:ph type="sldNum" sz="quarter" idx="10"/>
-          </p:nvPr>
-        </p:nvSpPr>
-        <p:spPr/>
-        <p:txBody>
-          <a:bodyPr/>
-          <a:lstStyle/>
-          <a:p>
-            <a:pPr>
-              <a:defRPr/>
-            </a:pPr>
-            <a:fld id="{884F1976-FC0F-224B-8A7A-A2BF98A1E361}" type="slidenum">
-              <a:rPr lang="en-US" smtClean="0"/>
-              <a:pPr>
-                <a:defRPr/>
-              </a:pPr>
-              <a:t>13</a:t>
-            </a:fld>
-            <a:endParaRPr lang="en-US" dirty="0"/>
-          </a:p>
-        </p:txBody>
-      </p:sp>
-    </p:spTree>
-    <p:extLst>
-      <p:ext uri="{BB962C8B-B14F-4D97-AF65-F5344CB8AC3E}">
-        <p14:creationId xmlns:p14="http://schemas.microsoft.com/office/powerpoint/2010/main" val="357063969"/>
-      </p:ext>
-    </p:extLst>
-  </p:cSld>
-  <p:clrMapOvr>
-    <a:masterClrMapping/>
-  </p:clrMapOvr>
-  <p:transition xmlns:p14="http://schemas.microsoft.com/office/powerpoint/2010/main"/>
-  <p:timing>
-    <p:tnLst>
-      <p:par>
-        <p:cTn xmlns:p14="http://schemas.microsoft.com/office/powerpoint/2010/main" id="1" dur="indefinite" restart="never" nodeType="tmRoot"/>
-      </p:par>
-    </p:tnLst>
-  </p:timing>
-</p:sld>
-</file>
-
-<file path=ppt/slides/slide14.xml><?xml version="1.0" encoding="utf-8"?>
-<p:sld xmlns:a="http://schemas.openxmlformats.org/drawingml/2006/main" xmlns:r="http://schemas.openxmlformats.org/officeDocument/2006/relationships" xmlns:p="http://schemas.openxmlformats.org/presentationml/2006/main">
-  <p:cSld>
-    <p:spTree>
-      <p:nvGrpSpPr>
-        <p:cNvPr id="1" name=""/>
-        <p:cNvGrpSpPr/>
-        <p:nvPr/>
-      </p:nvGrpSpPr>
-      <p:grpSpPr>
-        <a:xfrm>
-          <a:off x="0" y="0"/>
-          <a:ext cx="0" cy="0"/>
-          <a:chOff x="0" y="0"/>
-          <a:chExt cx="0" cy="0"/>
-        </a:xfrm>
-      </p:grpSpPr>
-      <p:sp>
-        <p:nvSpPr>
           <p:cNvPr id="18" name="Slide Number Placeholder 3"/>
           <p:cNvSpPr>
             <a:spLocks noGrp="1"/>
@@ -11265,7 +10417,7 @@
               <a:pPr>
                 <a:defRPr/>
               </a:pPr>
-              <a:t>14</a:t>
+              <a:t>12</a:t>
             </a:fld>
             <a:endParaRPr lang="en-US" dirty="0"/>
           </a:p>
@@ -12188,7 +11340,7 @@
 </p:sld>
 </file>
 
-<file path=ppt/slides/slide15.xml><?xml version="1.0" encoding="utf-8"?>
+<file path=ppt/slides/slide13.xml><?xml version="1.0" encoding="utf-8"?>
 <p:sld xmlns:a="http://schemas.openxmlformats.org/drawingml/2006/main" xmlns:r="http://schemas.openxmlformats.org/officeDocument/2006/relationships" xmlns:p="http://schemas.openxmlformats.org/presentationml/2006/main">
   <p:cSld>
     <p:spTree>
@@ -12222,7 +11374,7 @@
           <a:p>
             <a:r>
               <a:rPr lang="en-US" dirty="0" smtClean="0"/>
-              <a:t>IMPORTANT LINKS</a:t>
+              <a:t>LINKS</a:t>
             </a:r>
             <a:endParaRPr lang="en-US" dirty="0"/>
           </a:p>
@@ -12245,48 +11397,68 @@
           <a:p>
             <a:r>
               <a:rPr lang="en-US" dirty="0" smtClean="0"/>
-              <a:t>Product Page</a:t>
+              <a:t>Product Page:</a:t>
             </a:r>
           </a:p>
           <a:p>
             <a:pPr lvl="1"/>
             <a:r>
-              <a:rPr lang="en-US" sz="2000" dirty="0">
-                <a:hlinkClick r:id="rId3"/>
-              </a:rPr>
-              <a:t>http://www.rackspace.com/cloud/cloud_hosting_products/</a:t>
-            </a:r>
-            <a:r>
-              <a:rPr lang="en-US" sz="2000" dirty="0" smtClean="0">
-                <a:hlinkClick r:id="rId3"/>
-              </a:rPr>
-              <a:t>clouddns</a:t>
-            </a:r>
-            <a:endParaRPr lang="en-US" sz="2000" dirty="0" smtClean="0"/>
-          </a:p>
-          <a:p>
+              <a:rPr lang="en-US" sz="2000" dirty="0"/>
+              <a:t>http://</a:t>
+            </a:r>
+            <a:r>
+              <a:rPr lang="en-US" sz="2000" dirty="0" err="1"/>
+              <a:t>www.rackspace.com</a:t>
+            </a:r>
+            <a:r>
+              <a:rPr lang="en-US" sz="2000" dirty="0"/>
+              <a:t>/cloud/</a:t>
+            </a:r>
+            <a:r>
+              <a:rPr lang="en-US" sz="2000" dirty="0" err="1"/>
+              <a:t>cloud_hosting_products</a:t>
+            </a:r>
+            <a:r>
+              <a:rPr lang="en-US" sz="2000" dirty="0"/>
+              <a:t>/</a:t>
+            </a:r>
+            <a:r>
+              <a:rPr lang="en-US" sz="2000" dirty="0" err="1" smtClean="0"/>
+              <a:t>dns</a:t>
+            </a:r>
             <a:r>
               <a:rPr lang="en-US" dirty="0" smtClean="0"/>
-              <a:t>API / Developers Guide</a:t>
+              <a:t> </a:t>
+            </a:r>
+          </a:p>
+          <a:p>
+            <a:r>
+              <a:rPr lang="en-US" dirty="0" smtClean="0"/>
+              <a:t>Latest docs:</a:t>
             </a:r>
           </a:p>
           <a:p>
             <a:pPr lvl="1"/>
             <a:r>
-              <a:rPr lang="en-US" sz="2000" dirty="0">
-                <a:hlinkClick r:id="rId4"/>
-              </a:rPr>
-              <a:t>http://docs.rackspace.com/api</a:t>
-            </a:r>
-            <a:r>
-              <a:rPr lang="en-US" sz="2000" dirty="0" smtClean="0">
-                <a:hlinkClick r:id="rId4"/>
-              </a:rPr>
+              <a:rPr lang="en-US" sz="2000" dirty="0"/>
+              <a:t>http://docs-</a:t>
+            </a:r>
+            <a:r>
+              <a:rPr lang="en-US" sz="2000" dirty="0" err="1"/>
+              <a:t>beta.rackspace.com</a:t>
+            </a:r>
+            <a:r>
+              <a:rPr lang="en-US" sz="2000" dirty="0"/>
+              <a:t>/internal/</a:t>
+            </a:r>
+            <a:r>
+              <a:rPr lang="en-US" sz="2000" dirty="0" err="1"/>
+              <a:t>api</a:t>
+            </a:r>
+            <a:r>
+              <a:rPr lang="en-US" sz="2000" dirty="0"/>
               <a:t>/</a:t>
             </a:r>
-            <a:endParaRPr lang="en-US" sz="2000" dirty="0" smtClean="0"/>
-          </a:p>
-          <a:p>
             <a:endParaRPr lang="en-US" dirty="0"/>
           </a:p>
         </p:txBody>
@@ -12314,7 +11486,7 @@
               <a:pPr>
                 <a:defRPr/>
               </a:pPr>
-              <a:t>15</a:t>
+              <a:t>13</a:t>
             </a:fld>
             <a:endParaRPr lang="en-US" dirty="0"/>
           </a:p>
@@ -12394,7 +11566,7 @@
         <p:spPr/>
         <p:txBody>
           <a:bodyPr>
-            <a:normAutofit fontScale="62500" lnSpcReduction="20000"/>
+            <a:normAutofit fontScale="77500" lnSpcReduction="20000"/>
           </a:bodyPr>
           <a:lstStyle/>
           <a:p>
@@ -12421,7 +11593,7 @@
             </a:pPr>
             <a:r>
               <a:rPr lang="en-US" dirty="0" smtClean="0"/>
-              <a:t>What new features and benefits are we offering customers?</a:t>
+              <a:t>Overall Goals of the Product</a:t>
             </a:r>
           </a:p>
           <a:p>
@@ -12438,7 +11610,7 @@
             </a:pPr>
             <a:r>
               <a:rPr lang="en-US" dirty="0" smtClean="0"/>
-              <a:t>Who is this for?</a:t>
+              <a:t>Architecture and External System Interfaces</a:t>
             </a:r>
             <a:endParaRPr lang="en-US" dirty="0"/>
           </a:p>
@@ -12456,15 +11628,7 @@
             </a:pPr>
             <a:r>
               <a:rPr lang="en-US" dirty="0" smtClean="0"/>
-              <a:t>When </a:t>
-            </a:r>
-            <a:r>
-              <a:rPr lang="en-US" dirty="0"/>
-              <a:t>does it </a:t>
-            </a:r>
-            <a:r>
-              <a:rPr lang="en-US" dirty="0" smtClean="0"/>
-              <a:t>launch?</a:t>
+              <a:t>Technology Choices and the Benefits and Drawbacks</a:t>
             </a:r>
             <a:endParaRPr lang="en-US" dirty="0"/>
           </a:p>
@@ -12482,7 +11646,7 @@
             </a:pPr>
             <a:r>
               <a:rPr lang="en-US" dirty="0" smtClean="0"/>
-              <a:t>How much does it cost?</a:t>
+              <a:t>Technical Challenges and Resolutions</a:t>
             </a:r>
           </a:p>
           <a:p>
@@ -12499,12 +11663,9 @@
             </a:pPr>
             <a:r>
               <a:rPr lang="en-US" dirty="0" smtClean="0"/>
-              <a:t>How </a:t>
-            </a:r>
-            <a:r>
-              <a:rPr lang="en-US" dirty="0"/>
-              <a:t>does my customer get it?</a:t>
-            </a:r>
+              <a:t>API Demo</a:t>
+            </a:r>
+            <a:endParaRPr lang="en-US" dirty="0"/>
           </a:p>
           <a:p>
             <a:pPr marL="0" indent="0">
@@ -12513,16 +11674,9 @@
             <a:endParaRPr lang="en-US" dirty="0"/>
           </a:p>
           <a:p>
-            <a:pPr marL="457200" indent="-457200">
-              <a:buFont typeface="Arial"/>
-              <a:buChar char="•"/>
+            <a:pPr marL="0" indent="0">
+              <a:buNone/>
             </a:pPr>
-            <a:r>
-              <a:rPr lang="en-US" dirty="0"/>
-              <a:t>Who do I contact for questions?</a:t>
-            </a:r>
-          </a:p>
-          <a:p>
             <a:endParaRPr lang="en-US" dirty="0"/>
           </a:p>
         </p:txBody>
@@ -12631,7 +11785,12 @@
             <p:ph sz="half" idx="1"/>
           </p:nvPr>
         </p:nvSpPr>
-        <p:spPr/>
+        <p:spPr>
+          <a:xfrm>
+            <a:off x="457200" y="1598613"/>
+            <a:ext cx="8305800" cy="4527550"/>
+          </a:xfrm>
+        </p:spPr>
         <p:txBody>
           <a:bodyPr>
             <a:normAutofit/>
@@ -12643,8 +11802,12 @@
               <a:buChar char="•"/>
             </a:pPr>
             <a:r>
+              <a:rPr lang="en-US" dirty="0" err="1" smtClean="0"/>
+              <a:t>RESTful</a:t>
+            </a:r>
+            <a:r>
               <a:rPr lang="en-US" dirty="0" smtClean="0"/>
-              <a:t>Internet phonebook</a:t>
+              <a:t> API for managing Cloud customer domains</a:t>
             </a:r>
             <a:endParaRPr lang="en-US" dirty="0"/>
           </a:p>
@@ -12656,13 +11819,13 @@
             <a:endParaRPr lang="en-US" dirty="0"/>
           </a:p>
           <a:p>
-            <a:pPr marL="457200" indent="-457200">
+            <a:pPr marL="819150" lvl="1" indent="-457200">
               <a:buFont typeface="Arial"/>
               <a:buChar char="•"/>
             </a:pPr>
             <a:r>
               <a:rPr lang="en-US" dirty="0" smtClean="0"/>
-              <a:t>Globally distributed network</a:t>
+              <a:t>Public API for customers</a:t>
             </a:r>
           </a:p>
           <a:p>
@@ -12673,13 +11836,13 @@
             <a:endParaRPr lang="en-US" dirty="0" smtClean="0"/>
           </a:p>
           <a:p>
-            <a:pPr marL="457200" indent="-457200">
+            <a:pPr marL="819150" lvl="1" indent="-457200">
               <a:buFont typeface="Arial"/>
               <a:buChar char="•"/>
             </a:pPr>
             <a:r>
               <a:rPr lang="en-US" dirty="0" smtClean="0"/>
-              <a:t>Programmatic API</a:t>
+              <a:t>Management API for internal use</a:t>
             </a:r>
           </a:p>
           <a:p>
@@ -12696,8 +11859,15 @@
             </a:pPr>
             <a:r>
               <a:rPr lang="en-US" dirty="0" smtClean="0"/>
-              <a:t>Automated domain (zone) management</a:t>
-            </a:r>
+              <a:t>Free; value add for any Cloud customer</a:t>
+            </a:r>
+            <a:endParaRPr lang="en-US" dirty="0"/>
+          </a:p>
+          <a:p>
+            <a:pPr marL="457200" indent="-457200">
+              <a:buFont typeface="Arial"/>
+              <a:buChar char="•"/>
+            </a:pPr>
             <a:endParaRPr lang="en-US" dirty="0"/>
           </a:p>
         </p:txBody>
@@ -12731,30 +11901,6 @@
           </a:p>
         </p:txBody>
       </p:sp>
-      <p:pic>
-        <p:nvPicPr>
-          <p:cNvPr id="8" name="Picture 7"/>
-          <p:cNvPicPr>
-            <a:picLocks noChangeAspect="1"/>
-          </p:cNvPicPr>
-          <p:nvPr/>
-        </p:nvPicPr>
-        <p:blipFill>
-          <a:blip r:embed="rId3"/>
-          <a:stretch>
-            <a:fillRect/>
-          </a:stretch>
-        </p:blipFill>
-        <p:spPr>
-          <a:xfrm>
-            <a:off x="4539849" y="1828800"/>
-            <a:ext cx="4299351" cy="4114800"/>
-          </a:xfrm>
-          <a:prstGeom prst="rect">
-            <a:avLst/>
-          </a:prstGeom>
-        </p:spPr>
-      </p:pic>
     </p:spTree>
     <p:extLst>
       <p:ext uri="{BB962C8B-B14F-4D97-AF65-F5344CB8AC3E}">
@@ -12810,7 +11956,7 @@
           <a:p>
             <a:r>
               <a:rPr lang="en-US" dirty="0" smtClean="0"/>
-              <a:t>WE ALREADY HAVE DNS … WHATS NEW?</a:t>
+              <a:t>OVERALL GOALS</a:t>
             </a:r>
             <a:endParaRPr lang="en-US" dirty="0"/>
           </a:p>
@@ -12829,25 +11975,61 @@
         <p:spPr/>
         <p:txBody>
           <a:bodyPr>
-            <a:normAutofit/>
+            <a:normAutofit fontScale="85000" lnSpcReduction="20000"/>
           </a:bodyPr>
           <a:lstStyle/>
           <a:p>
             <a:r>
               <a:rPr lang="en-US" dirty="0" smtClean="0"/>
-              <a:t>Contains features </a:t>
+              <a:t>Reduce support costs via customer self-service</a:t>
+            </a:r>
+          </a:p>
+          <a:p>
+            <a:pPr lvl="1"/>
+            <a:r>
+              <a:rPr lang="en-US" dirty="0" smtClean="0"/>
+              <a:t>8% of support volume is </a:t>
+            </a:r>
+            <a:r>
+              <a:rPr lang="en-US" smtClean="0"/>
+              <a:t>DNS related</a:t>
+            </a:r>
+            <a:endParaRPr lang="en-US" dirty="0" smtClean="0"/>
+          </a:p>
+          <a:p>
+            <a:r>
+              <a:rPr lang="en-US" dirty="0" smtClean="0"/>
+              <a:t>Consolidate access to DNS infrastructure</a:t>
+            </a:r>
+          </a:p>
+          <a:p>
+            <a:r>
+              <a:rPr lang="en-US" dirty="0" smtClean="0"/>
+              <a:t>Provide </a:t>
+            </a:r>
+            <a:r>
+              <a:rPr lang="en-US" dirty="0" err="1" smtClean="0"/>
+              <a:t>RESTful</a:t>
+            </a:r>
+            <a:r>
+              <a:rPr lang="en-US" dirty="0" smtClean="0"/>
+              <a:t> DNS API in order to align with enterprise architecture roadmap</a:t>
+            </a:r>
+          </a:p>
+          <a:p>
+            <a:r>
+              <a:rPr lang="en-US" dirty="0" smtClean="0"/>
+              <a:t>Add features </a:t>
             </a:r>
             <a:r>
               <a:rPr lang="en-US" dirty="0"/>
-              <a:t>customers requested</a:t>
-            </a:r>
-          </a:p>
-          <a:p>
-            <a:pPr lvl="1"/>
-            <a:r>
-              <a:rPr lang="en-US" dirty="0"/>
-              <a:t>Comprehensive REST-based API </a:t>
-            </a:r>
+              <a:t>customers </a:t>
+            </a:r>
+            <a:r>
+              <a:rPr lang="en-US" dirty="0" smtClean="0"/>
+              <a:t>requested </a:t>
+            </a:r>
+            <a:endParaRPr lang="en-US" dirty="0"/>
           </a:p>
           <a:p>
             <a:pPr lvl="1"/>
@@ -13026,8 +12208,20 @@
               <a:t>REST-based API </a:t>
             </a:r>
             <a:r>
+              <a:rPr lang="en-US" dirty="0" smtClean="0"/>
+              <a:t>– Public </a:t>
+            </a:r>
+            <a:r>
+              <a:rPr lang="en-US" dirty="0" err="1" smtClean="0"/>
+              <a:t>RESTful</a:t>
+            </a:r>
+            <a:r>
+              <a:rPr lang="en-US" dirty="0" smtClean="0"/>
+              <a:t> </a:t>
+            </a:r>
+            <a:r>
               <a:rPr lang="en-US" dirty="0"/>
-              <a:t>- RESTful API lets customers customize solutions to automate DNS management.</a:t>
+              <a:t>API lets customers customize solutions to automate DNS management.</a:t>
             </a:r>
           </a:p>
           <a:p>
@@ -13221,167 +12415,9 @@
           <a:lstStyle/>
           <a:p>
             <a:r>
-              <a:rPr lang="en-US" dirty="0">
-                <a:latin typeface="Calibri" charset="0"/>
-                <a:ea typeface="ヒラギノ角ゴ ProN W3" charset="0"/>
-                <a:cs typeface="ヒラギノ角ゴ ProN W3" charset="0"/>
-                <a:sym typeface="Calibri" charset="0"/>
-              </a:rPr>
-              <a:t>AVAILABLE API OPERATIONS</a:t>
-            </a:r>
-            <a:endParaRPr lang="en-US" dirty="0"/>
-          </a:p>
-        </p:txBody>
-      </p:sp>
-      <p:sp>
-        <p:nvSpPr>
-          <p:cNvPr id="5" name="Content Placeholder 4"/>
-          <p:cNvSpPr>
-            <a:spLocks noGrp="1"/>
-          </p:cNvSpPr>
-          <p:nvPr>
-            <p:ph sz="half" idx="1"/>
-          </p:nvPr>
-        </p:nvSpPr>
-        <p:spPr/>
-        <p:txBody>
-          <a:bodyPr/>
-          <a:lstStyle/>
-          <a:p>
-            <a:r>
-              <a:rPr lang="en-US" dirty="0"/>
-              <a:t>Domains</a:t>
-            </a:r>
-          </a:p>
-          <a:p>
-            <a:pPr lvl="1"/>
-            <a:r>
-              <a:rPr lang="en-US" dirty="0"/>
-              <a:t>List Domains</a:t>
-            </a:r>
-          </a:p>
-          <a:p>
-            <a:pPr lvl="1"/>
-            <a:r>
-              <a:rPr lang="en-US" dirty="0"/>
-              <a:t>List Domain </a:t>
-            </a:r>
-            <a:r>
               <a:rPr lang="en-US" dirty="0" smtClean="0"/>
-              <a:t>Details</a:t>
-            </a:r>
-          </a:p>
-          <a:p>
-            <a:pPr lvl="1"/>
-            <a:r>
-              <a:rPr lang="en-US" dirty="0" smtClean="0"/>
-              <a:t>List Domain Changes</a:t>
-            </a:r>
-            <a:endParaRPr lang="en-US" dirty="0"/>
-          </a:p>
-          <a:p>
-            <a:pPr lvl="1"/>
-            <a:r>
-              <a:rPr lang="en-US" dirty="0"/>
-              <a:t>Create Domain(s)</a:t>
-            </a:r>
-          </a:p>
-          <a:p>
-            <a:pPr lvl="1"/>
-            <a:r>
-              <a:rPr lang="en-US" dirty="0"/>
-              <a:t>Modify Domain(s)</a:t>
-            </a:r>
-          </a:p>
-          <a:p>
-            <a:pPr lvl="1"/>
-            <a:r>
-              <a:rPr lang="en-US" dirty="0"/>
-              <a:t>Delete Domains(s)</a:t>
-            </a:r>
-          </a:p>
-          <a:p>
-            <a:pPr lvl="1"/>
-            <a:r>
-              <a:rPr lang="en-US" dirty="0"/>
-              <a:t>Search (Filter Domains)</a:t>
-            </a:r>
-          </a:p>
-          <a:p>
-            <a:pPr lvl="1"/>
-            <a:r>
-              <a:rPr lang="en-US" dirty="0"/>
-              <a:t>Import Domain</a:t>
-            </a:r>
-          </a:p>
-          <a:p>
-            <a:pPr lvl="1"/>
-            <a:r>
-              <a:rPr lang="en-US" dirty="0"/>
-              <a:t>Export Domain</a:t>
-            </a:r>
-          </a:p>
-          <a:p>
-            <a:endParaRPr lang="en-US" dirty="0"/>
-          </a:p>
-        </p:txBody>
-      </p:sp>
-      <p:sp>
-        <p:nvSpPr>
-          <p:cNvPr id="6" name="Content Placeholder 5"/>
-          <p:cNvSpPr>
-            <a:spLocks noGrp="1"/>
-          </p:cNvSpPr>
-          <p:nvPr>
-            <p:ph sz="half" idx="2"/>
-          </p:nvPr>
-        </p:nvSpPr>
-        <p:spPr/>
-        <p:txBody>
-          <a:bodyPr/>
-          <a:lstStyle/>
-          <a:p>
-            <a:r>
-              <a:rPr lang="en-US" dirty="0"/>
-              <a:t>Records</a:t>
-            </a:r>
-          </a:p>
-          <a:p>
-            <a:pPr lvl="1"/>
-            <a:r>
-              <a:rPr lang="en-US" dirty="0"/>
-              <a:t>List Records</a:t>
-            </a:r>
-          </a:p>
-          <a:p>
-            <a:pPr lvl="1"/>
-            <a:r>
-              <a:rPr lang="en-US" dirty="0"/>
-              <a:t>List Record Details</a:t>
-            </a:r>
-          </a:p>
-          <a:p>
-            <a:pPr lvl="1"/>
-            <a:r>
-              <a:rPr lang="en-US" dirty="0"/>
-              <a:t>Add Records</a:t>
-            </a:r>
-          </a:p>
-          <a:p>
-            <a:pPr lvl="1"/>
-            <a:r>
-              <a:rPr lang="en-US" dirty="0"/>
-              <a:t>Modify Records</a:t>
-            </a:r>
-          </a:p>
-          <a:p>
-            <a:pPr lvl="1"/>
-            <a:r>
-              <a:rPr lang="en-US" dirty="0"/>
-              <a:t>Remove Records</a:t>
-            </a:r>
-          </a:p>
-          <a:p>
+              <a:t>BASIC ARCHITECTURE</a:t>
+            </a:r>
             <a:endParaRPr lang="en-US" dirty="0"/>
           </a:p>
         </p:txBody>
@@ -13415,10 +12451,34 @@
           </a:p>
         </p:txBody>
       </p:sp>
+      <p:pic>
+        <p:nvPicPr>
+          <p:cNvPr id="5" name="Picture 4"/>
+          <p:cNvPicPr>
+            <a:picLocks noChangeAspect="1"/>
+          </p:cNvPicPr>
+          <p:nvPr/>
+        </p:nvPicPr>
+        <p:blipFill>
+          <a:blip r:embed="rId2"/>
+          <a:stretch>
+            <a:fillRect/>
+          </a:stretch>
+        </p:blipFill>
+        <p:spPr>
+          <a:xfrm>
+            <a:off x="1905000" y="1219200"/>
+            <a:ext cx="5410200" cy="5045191"/>
+          </a:xfrm>
+          <a:prstGeom prst="rect">
+            <a:avLst/>
+          </a:prstGeom>
+        </p:spPr>
+      </p:pic>
     </p:spTree>
     <p:extLst>
       <p:ext uri="{BB962C8B-B14F-4D97-AF65-F5344CB8AC3E}">
-        <p14:creationId xmlns:p14="http://schemas.microsoft.com/office/powerpoint/2010/main" val="3533139858"/>
+        <p14:creationId xmlns:p14="http://schemas.microsoft.com/office/powerpoint/2010/main" val="1407953914"/>
       </p:ext>
     </p:extLst>
   </p:cSld>
@@ -13426,13 +12486,6 @@
     <a:masterClrMapping/>
   </p:clrMapOvr>
   <p:transition xmlns:p14="http://schemas.microsoft.com/office/powerpoint/2010/main"/>
-  <p:timing>
-    <p:tnLst>
-      <p:par>
-        <p:cTn xmlns:p14="http://schemas.microsoft.com/office/powerpoint/2010/main" id="1" dur="indefinite" restart="never" nodeType="tmRoot"/>
-      </p:par>
-    </p:tnLst>
-  </p:timing>
 </p:sld>
 </file>
 
@@ -13475,7 +12528,7 @@
                 <a:cs typeface="ヒラギノ角ゴ ProN W3" charset="0"/>
                 <a:sym typeface="Calibri" charset="0"/>
               </a:rPr>
-              <a:t>SUPPORTED RECORD TYPES</a:t>
+              <a:t>AVAILABLE API OPERATIONS</a:t>
             </a:r>
             <a:endParaRPr lang="en-US" dirty="0"/>
           </a:p>
@@ -13483,7 +12536,7 @@
       </p:sp>
       <p:sp>
         <p:nvSpPr>
-          <p:cNvPr id="3" name="Content Placeholder 2"/>
+          <p:cNvPr id="5" name="Content Placeholder 4"/>
           <p:cNvSpPr>
             <a:spLocks noGrp="1"/>
           </p:cNvSpPr>
@@ -13497,33 +12550,76 @@
           <a:lstStyle/>
           <a:p>
             <a:r>
+              <a:rPr lang="en-US" dirty="0"/>
+              <a:t>Domains</a:t>
+            </a:r>
+          </a:p>
+          <a:p>
+            <a:pPr lvl="1"/>
+            <a:r>
+              <a:rPr lang="en-US" dirty="0"/>
+              <a:t>List Domains</a:t>
+            </a:r>
+          </a:p>
+          <a:p>
+            <a:pPr lvl="1"/>
+            <a:r>
+              <a:rPr lang="en-US" dirty="0"/>
+              <a:t>List Domain </a:t>
+            </a:r>
+            <a:r>
               <a:rPr lang="en-US" dirty="0" smtClean="0"/>
-              <a:t>A</a:t>
-            </a:r>
-          </a:p>
-          <a:p>
+              <a:t>Details</a:t>
+            </a:r>
+          </a:p>
+          <a:p>
+            <a:pPr lvl="1"/>
             <a:r>
               <a:rPr lang="en-US" dirty="0" smtClean="0"/>
-              <a:t>AAAA</a:t>
+              <a:t>List Domain Changes</a:t>
             </a:r>
             <a:endParaRPr lang="en-US" dirty="0"/>
           </a:p>
           <a:p>
+            <a:pPr lvl="1"/>
             <a:r>
               <a:rPr lang="en-US" dirty="0"/>
-              <a:t>CNAME</a:t>
-            </a:r>
-          </a:p>
-          <a:p>
+              <a:t>Create Domain(s)</a:t>
+            </a:r>
+          </a:p>
+          <a:p>
+            <a:pPr lvl="1"/>
             <a:r>
               <a:rPr lang="en-US" dirty="0"/>
-              <a:t>MX</a:t>
-            </a:r>
-          </a:p>
-          <a:p>
+              <a:t>Modify Domain(s)</a:t>
+            </a:r>
+          </a:p>
+          <a:p>
+            <a:pPr lvl="1"/>
             <a:r>
               <a:rPr lang="en-US" dirty="0"/>
-              <a:t>SOA*</a:t>
+              <a:t>Delete Domains(s)</a:t>
+            </a:r>
+          </a:p>
+          <a:p>
+            <a:pPr lvl="1"/>
+            <a:r>
+              <a:rPr lang="en-US" dirty="0"/>
+              <a:t>Search (Filter Domains)</a:t>
+            </a:r>
+          </a:p>
+          <a:p>
+            <a:pPr lvl="1"/>
+            <a:r>
+              <a:rPr lang="en-US" dirty="0"/>
+              <a:t>Import Domain</a:t>
+            </a:r>
+          </a:p>
+          <a:p>
+            <a:pPr lvl="1"/>
+            <a:r>
+              <a:rPr lang="en-US" dirty="0"/>
+              <a:t>Export Domain</a:t>
             </a:r>
           </a:p>
           <a:p>
@@ -13533,7 +12629,7 @@
       </p:sp>
       <p:sp>
         <p:nvSpPr>
-          <p:cNvPr id="4" name="Content Placeholder 3"/>
+          <p:cNvPr id="6" name="Content Placeholder 5"/>
           <p:cNvSpPr>
             <a:spLocks noGrp="1"/>
           </p:cNvSpPr>
@@ -13547,53 +12643,53 @@
           <a:lstStyle/>
           <a:p>
             <a:r>
-              <a:rPr lang="en-US" dirty="0" smtClean="0"/>
-              <a:t>NS </a:t>
-            </a:r>
-            <a:r>
               <a:rPr lang="en-US" dirty="0"/>
-              <a:t>- NEW!</a:t>
-            </a:r>
-          </a:p>
-          <a:p>
+              <a:t>Records</a:t>
+            </a:r>
+          </a:p>
+          <a:p>
+            <a:pPr lvl="1"/>
             <a:r>
               <a:rPr lang="en-US" dirty="0"/>
-              <a:t>TXT - NEW</a:t>
-            </a:r>
-            <a:r>
-              <a:rPr lang="en-US" dirty="0" smtClean="0"/>
-              <a:t>!</a:t>
+              <a:t>List Records</a:t>
             </a:r>
           </a:p>
           <a:p>
             <a:pPr lvl="1"/>
             <a:r>
-              <a:rPr lang="en-US" dirty="0" smtClean="0"/>
-              <a:t>DKIM</a:t>
+              <a:rPr lang="en-US" dirty="0"/>
+              <a:t>List Record Details</a:t>
             </a:r>
           </a:p>
           <a:p>
             <a:pPr lvl="1"/>
             <a:r>
-              <a:rPr lang="en-US" dirty="0" smtClean="0"/>
-              <a:t>SPF</a:t>
-            </a:r>
+              <a:rPr lang="en-US" dirty="0"/>
+              <a:t>Add Records</a:t>
+            </a:r>
+          </a:p>
+          <a:p>
+            <a:pPr lvl="1"/>
+            <a:r>
+              <a:rPr lang="en-US" dirty="0"/>
+              <a:t>Modify Records</a:t>
+            </a:r>
+          </a:p>
+          <a:p>
+            <a:pPr lvl="1"/>
+            <a:r>
+              <a:rPr lang="en-US" dirty="0"/>
+              <a:t>Remove Records</a:t>
+            </a:r>
+          </a:p>
+          <a:p>
             <a:endParaRPr lang="en-US" dirty="0"/>
           </a:p>
-          <a:p>
-            <a:r>
-              <a:rPr lang="en-US" dirty="0"/>
-              <a:t>SRV - NEW!</a:t>
-            </a:r>
-          </a:p>
-          <a:p>
-            <a:endParaRPr lang="en-US" dirty="0"/>
-          </a:p>
         </p:txBody>
       </p:sp>
       <p:sp>
         <p:nvSpPr>
-          <p:cNvPr id="5" name="Slide Number Placeholder 4"/>
+          <p:cNvPr id="4" name="Slide Number Placeholder 3"/>
           <p:cNvSpPr>
             <a:spLocks noGrp="1"/>
           </p:cNvSpPr>
@@ -13609,7 +12705,7 @@
             <a:pPr>
               <a:defRPr/>
             </a:pPr>
-            <a:fld id="{5AD72B1E-D928-4541-A172-112C6755B0A4}" type="slidenum">
+            <a:fld id="{884F1976-FC0F-224B-8A7A-A2BF98A1E361}" type="slidenum">
               <a:rPr lang="en-US" smtClean="0"/>
               <a:pPr>
                 <a:defRPr/>
@@ -13620,47 +12716,10 @@
           </a:p>
         </p:txBody>
       </p:sp>
-      <p:sp>
-        <p:nvSpPr>
-          <p:cNvPr id="6" name="Rectangle 5"/>
-          <p:cNvSpPr/>
-          <p:nvPr/>
-        </p:nvSpPr>
-        <p:spPr>
-          <a:xfrm>
-            <a:off x="228600" y="5540514"/>
-            <a:ext cx="8686800" cy="707886"/>
-          </a:xfrm>
-          <a:prstGeom prst="rect">
-            <a:avLst/>
-          </a:prstGeom>
-        </p:spPr>
-        <p:txBody>
-          <a:bodyPr wrap="square">
-            <a:spAutoFit/>
-          </a:bodyPr>
-          <a:lstStyle/>
-          <a:p>
-            <a:pPr algn="l"/>
-            <a:r>
-              <a:rPr lang="en-US" sz="2000" dirty="0" smtClean="0"/>
-              <a:t>* </a:t>
-            </a:r>
-            <a:r>
-              <a:rPr lang="en-US" sz="2000" i="1" dirty="0" smtClean="0"/>
-              <a:t>users </a:t>
-            </a:r>
-            <a:r>
-              <a:rPr lang="en-US" sz="2000" i="1" dirty="0"/>
-              <a:t>will not be able to create SOA records (as this is handled by the system) but they will be able to modify TTL and email address</a:t>
-            </a:r>
-          </a:p>
-        </p:txBody>
-      </p:sp>
     </p:spTree>
     <p:extLst>
       <p:ext uri="{BB962C8B-B14F-4D97-AF65-F5344CB8AC3E}">
-        <p14:creationId xmlns:p14="http://schemas.microsoft.com/office/powerpoint/2010/main" val="2625685727"/>
+        <p14:creationId xmlns:p14="http://schemas.microsoft.com/office/powerpoint/2010/main" val="3533139858"/>
       </p:ext>
     </p:extLst>
   </p:cSld>
@@ -13697,7 +12756,7 @@
       </p:grpSpPr>
       <p:sp>
         <p:nvSpPr>
-          <p:cNvPr id="6" name="Title 5"/>
+          <p:cNvPr id="2" name="Title 1"/>
           <p:cNvSpPr>
             <a:spLocks noGrp="1"/>
           </p:cNvSpPr>
@@ -13711,8 +12770,13 @@
           <a:lstStyle/>
           <a:p>
             <a:r>
-              <a:rPr lang="en-US" dirty="0" smtClean="0"/>
-              <a:t>WHEN IS IT AVAILABLE?</a:t>
+              <a:rPr lang="en-US" dirty="0">
+                <a:latin typeface="Calibri" charset="0"/>
+                <a:ea typeface="ヒラギノ角ゴ ProN W3" charset="0"/>
+                <a:cs typeface="ヒラギノ角ゴ ProN W3" charset="0"/>
+                <a:sym typeface="Calibri" charset="0"/>
+              </a:rPr>
+              <a:t>SUPPORTED RECORD TYPES</a:t>
             </a:r>
             <a:endParaRPr lang="en-US" dirty="0"/>
           </a:p>
@@ -13720,70 +12784,108 @@
       </p:sp>
       <p:sp>
         <p:nvSpPr>
-          <p:cNvPr id="7" name="Content Placeholder 6"/>
+          <p:cNvPr id="3" name="Content Placeholder 2"/>
           <p:cNvSpPr>
             <a:spLocks noGrp="1"/>
           </p:cNvSpPr>
           <p:nvPr>
-            <p:ph idx="1"/>
+            <p:ph sz="half" idx="1"/>
           </p:nvPr>
         </p:nvSpPr>
         <p:spPr/>
         <p:txBody>
-          <a:bodyPr>
-            <a:normAutofit/>
-          </a:bodyPr>
+          <a:bodyPr/>
           <a:lstStyle/>
           <a:p>
             <a:r>
               <a:rPr lang="en-US" dirty="0" smtClean="0"/>
-              <a:t>Cloud DNS is </a:t>
-            </a:r>
-            <a:r>
-              <a:rPr lang="en-US" b="1" dirty="0" smtClean="0"/>
-              <a:t>Generally Available </a:t>
-            </a:r>
+              <a:t>A</a:t>
+            </a:r>
+          </a:p>
+          <a:p>
             <a:r>
               <a:rPr lang="en-US" dirty="0" smtClean="0"/>
-              <a:t>as of Oct 26</a:t>
-            </a:r>
-            <a:r>
-              <a:rPr lang="en-US" baseline="30000" dirty="0" smtClean="0"/>
-              <a:t>th</a:t>
-            </a:r>
+              <a:t>AAAA</a:t>
+            </a:r>
+            <a:endParaRPr lang="en-US" dirty="0"/>
+          </a:p>
+          <a:p>
+            <a:r>
+              <a:rPr lang="en-US" dirty="0"/>
+              <a:t>CNAME</a:t>
+            </a:r>
+          </a:p>
+          <a:p>
+            <a:r>
+              <a:rPr lang="en-US" dirty="0"/>
+              <a:t>MX</a:t>
+            </a:r>
+          </a:p>
+          <a:p>
+            <a:r>
+              <a:rPr lang="en-US" dirty="0"/>
+              <a:t>SOA*</a:t>
+            </a:r>
+          </a:p>
+          <a:p>
+            <a:endParaRPr lang="en-US" dirty="0"/>
+          </a:p>
+        </p:txBody>
+      </p:sp>
+      <p:sp>
+        <p:nvSpPr>
+          <p:cNvPr id="4" name="Content Placeholder 3"/>
+          <p:cNvSpPr>
+            <a:spLocks noGrp="1"/>
+          </p:cNvSpPr>
+          <p:nvPr>
+            <p:ph sz="half" idx="2"/>
+          </p:nvPr>
+        </p:nvSpPr>
+        <p:spPr/>
+        <p:txBody>
+          <a:bodyPr/>
+          <a:lstStyle/>
+          <a:p>
             <a:r>
               <a:rPr lang="en-US" dirty="0" smtClean="0"/>
-              <a:t>, 2011</a:t>
+              <a:t>NS </a:t>
+            </a:r>
+            <a:r>
+              <a:rPr lang="en-US" dirty="0"/>
+              <a:t>- NEW!</a:t>
+            </a:r>
+          </a:p>
+          <a:p>
+            <a:r>
+              <a:rPr lang="en-US" dirty="0"/>
+              <a:t>TXT - NEW</a:t>
+            </a:r>
+            <a:r>
+              <a:rPr lang="en-US" dirty="0" smtClean="0"/>
+              <a:t>!</a:t>
+            </a:r>
+          </a:p>
+          <a:p>
+            <a:pPr lvl="1"/>
+            <a:r>
+              <a:rPr lang="en-US" dirty="0" smtClean="0"/>
+              <a:t>DKIM</a:t>
+            </a:r>
+          </a:p>
+          <a:p>
+            <a:pPr lvl="1"/>
+            <a:r>
+              <a:rPr lang="en-US" dirty="0" smtClean="0"/>
+              <a:t>SPF</a:t>
             </a:r>
             <a:endParaRPr lang="en-US" dirty="0"/>
           </a:p>
           <a:p>
-            <a:pPr lvl="1"/>
-            <a:r>
-              <a:rPr lang="en-US" dirty="0" smtClean="0"/>
-              <a:t>US and UK</a:t>
-            </a:r>
-          </a:p>
-          <a:p>
-            <a:endParaRPr lang="en-US" dirty="0"/>
-          </a:p>
-          <a:p>
             <a:r>
               <a:rPr lang="en-US" dirty="0"/>
-              <a:t>Available via the API for customers with a Cloud account</a:t>
-            </a:r>
-          </a:p>
-          <a:p>
-            <a:pPr lvl="1"/>
-            <a:r>
-              <a:rPr lang="en-US" dirty="0"/>
-              <a:t>UI integration will not be available until Reach (Q1 timeframe</a:t>
-            </a:r>
-            <a:r>
-              <a:rPr lang="en-US" dirty="0" smtClean="0"/>
-              <a:t>)</a:t>
-            </a:r>
-            <a:endParaRPr lang="en-US" dirty="0"/>
+              <a:t>SRV - NEW!</a:t>
+            </a:r>
           </a:p>
           <a:p>
             <a:endParaRPr lang="en-US" dirty="0"/>
@@ -13819,10 +12921,47 @@
           </a:p>
         </p:txBody>
       </p:sp>
+      <p:sp>
+        <p:nvSpPr>
+          <p:cNvPr id="6" name="Rectangle 5"/>
+          <p:cNvSpPr/>
+          <p:nvPr/>
+        </p:nvSpPr>
+        <p:spPr>
+          <a:xfrm>
+            <a:off x="228600" y="5540514"/>
+            <a:ext cx="8686800" cy="707886"/>
+          </a:xfrm>
+          <a:prstGeom prst="rect">
+            <a:avLst/>
+          </a:prstGeom>
+        </p:spPr>
+        <p:txBody>
+          <a:bodyPr wrap="square">
+            <a:spAutoFit/>
+          </a:bodyPr>
+          <a:lstStyle/>
+          <a:p>
+            <a:pPr algn="l"/>
+            <a:r>
+              <a:rPr lang="en-US" sz="2000" dirty="0" smtClean="0"/>
+              <a:t>* </a:t>
+            </a:r>
+            <a:r>
+              <a:rPr lang="en-US" sz="2000" i="1" dirty="0" smtClean="0"/>
+              <a:t>users </a:t>
+            </a:r>
+            <a:r>
+              <a:rPr lang="en-US" sz="2000" i="1" dirty="0"/>
+              <a:t>will not be able to create SOA records (as this is handled by the system) but they will be able to modify TTL and email address</a:t>
+            </a:r>
+          </a:p>
+        </p:txBody>
+      </p:sp>
     </p:spTree>
     <p:extLst>
       <p:ext uri="{BB962C8B-B14F-4D97-AF65-F5344CB8AC3E}">
-        <p14:creationId xmlns:p14="http://schemas.microsoft.com/office/powerpoint/2010/main" val="2554908184"/>
+        <p14:creationId xmlns:p14="http://schemas.microsoft.com/office/powerpoint/2010/main" val="2625685727"/>
       </p:ext>
     </p:extLst>
   </p:cSld>
@@ -13857,33 +12996,9 @@
           <a:chExt cx="0" cy="0"/>
         </a:xfrm>
       </p:grpSpPr>
-      <p:pic>
-        <p:nvPicPr>
-          <p:cNvPr id="5" name="Picture 4"/>
-          <p:cNvPicPr>
-            <a:picLocks noChangeAspect="1"/>
-          </p:cNvPicPr>
-          <p:nvPr/>
-        </p:nvPicPr>
-        <p:blipFill>
-          <a:blip r:embed="rId3"/>
-          <a:stretch>
-            <a:fillRect/>
-          </a:stretch>
-        </p:blipFill>
-        <p:spPr>
-          <a:xfrm>
-            <a:off x="6553200" y="1295400"/>
-            <a:ext cx="2590800" cy="2590800"/>
-          </a:xfrm>
-          <a:prstGeom prst="rect">
-            <a:avLst/>
-          </a:prstGeom>
-        </p:spPr>
-      </p:pic>
-      <p:sp>
-        <p:nvSpPr>
-          <p:cNvPr id="2" name="Title 1"/>
+      <p:sp>
+        <p:nvSpPr>
+          <p:cNvPr id="6" name="Title 5"/>
           <p:cNvSpPr>
             <a:spLocks noGrp="1"/>
           </p:cNvSpPr>
@@ -13898,7 +13013,7 @@
           <a:p>
             <a:r>
               <a:rPr lang="en-US" dirty="0" smtClean="0"/>
-              <a:t>HOW MUCH DOES IT COST?</a:t>
+              <a:t>WHEN IS IT AVAILABLE?</a:t>
             </a:r>
             <a:endParaRPr lang="en-US" dirty="0"/>
           </a:p>
@@ -13906,7 +13021,7 @@
       </p:sp>
       <p:sp>
         <p:nvSpPr>
-          <p:cNvPr id="3" name="Content Placeholder 2"/>
+          <p:cNvPr id="7" name="Content Placeholder 6"/>
           <p:cNvSpPr>
             <a:spLocks noGrp="1"/>
           </p:cNvSpPr>
@@ -13914,12 +13029,7 @@
             <p:ph idx="1"/>
           </p:nvPr>
         </p:nvSpPr>
-        <p:spPr>
-          <a:xfrm>
-            <a:off x="457200" y="1600200"/>
-            <a:ext cx="6172200" cy="4572000"/>
-          </a:xfrm>
-        </p:spPr>
+        <p:spPr/>
         <p:txBody>
           <a:bodyPr>
             <a:normAutofit/>
@@ -13927,53 +13037,63 @@
           <a:lstStyle/>
           <a:p>
             <a:r>
+              <a:rPr lang="en-US" dirty="0" smtClean="0"/>
+              <a:t>Cloud DNS is </a:t>
+            </a:r>
+            <a:r>
+              <a:rPr lang="en-US" b="1" dirty="0" smtClean="0"/>
+              <a:t>Generally Available </a:t>
+            </a:r>
+            <a:r>
+              <a:rPr lang="en-US" dirty="0" smtClean="0"/>
+              <a:t>as of Oct 26</a:t>
+            </a:r>
+            <a:r>
+              <a:rPr lang="en-US" baseline="30000" dirty="0" smtClean="0"/>
+              <a:t>th</a:t>
+            </a:r>
+            <a:r>
+              <a:rPr lang="en-US" dirty="0" smtClean="0"/>
+              <a:t>, 2011</a:t>
+            </a:r>
+            <a:endParaRPr lang="en-US" dirty="0"/>
+          </a:p>
+          <a:p>
+            <a:pPr lvl="1"/>
+            <a:r>
+              <a:rPr lang="en-US" dirty="0" smtClean="0"/>
+              <a:t>US and UK</a:t>
+            </a:r>
+          </a:p>
+          <a:p>
+            <a:endParaRPr lang="en-US" dirty="0"/>
+          </a:p>
+          <a:p>
+            <a:r>
               <a:rPr lang="en-US" dirty="0"/>
-              <a:t>There is no cost for </a:t>
+              <a:t>Available via the API for customers with a Cloud account</a:t>
+            </a:r>
+          </a:p>
+          <a:p>
+            <a:pPr lvl="1"/>
+            <a:r>
+              <a:rPr lang="en-US" dirty="0"/>
+              <a:t>UI integration will not be available until Reach (Q1 timeframe</a:t>
             </a:r>
             <a:r>
               <a:rPr lang="en-US" dirty="0" smtClean="0"/>
-              <a:t>using </a:t>
-            </a:r>
-            <a:r>
-              <a:rPr lang="en-US" dirty="0"/>
-              <a:t>Rackspace Cloud </a:t>
-            </a:r>
-            <a:r>
-              <a:rPr lang="en-US" dirty="0" smtClean="0"/>
-              <a:t>DNS!</a:t>
+              <a:t>)</a:t>
             </a:r>
             <a:endParaRPr lang="en-US" dirty="0"/>
           </a:p>
           <a:p>
-            <a:pPr marL="0" indent="0">
-              <a:buNone/>
-            </a:pPr>
             <a:endParaRPr lang="en-US" dirty="0"/>
           </a:p>
-          <a:p>
-            <a:r>
-              <a:rPr lang="en-US" dirty="0"/>
-              <a:t>Existing Cloud Servers, Cloud Servers with a Managed Service Level, RackConnect, and Cloud Sites customers have access to the Rackspace Cloud </a:t>
-            </a:r>
-            <a:r>
-              <a:rPr lang="en-US" dirty="0" smtClean="0"/>
-              <a:t>DNS </a:t>
-            </a:r>
-            <a:r>
-              <a:rPr lang="en-US" dirty="0"/>
-              <a:t>by default</a:t>
-            </a:r>
-            <a:r>
-              <a:rPr lang="en-US" dirty="0" smtClean="0"/>
-              <a:t>.</a:t>
-            </a:r>
-            <a:endParaRPr lang="en-US" dirty="0"/>
-          </a:p>
         </p:txBody>
       </p:sp>
       <p:sp>
         <p:nvSpPr>
-          <p:cNvPr id="4" name="Slide Number Placeholder 3"/>
+          <p:cNvPr id="5" name="Slide Number Placeholder 4"/>
           <p:cNvSpPr>
             <a:spLocks noGrp="1"/>
           </p:cNvSpPr>
@@ -13989,7 +13109,7 @@
             <a:pPr>
               <a:defRPr/>
             </a:pPr>
-            <a:fld id="{884F1976-FC0F-224B-8A7A-A2BF98A1E361}" type="slidenum">
+            <a:fld id="{5AD72B1E-D928-4541-A172-112C6755B0A4}" type="slidenum">
               <a:rPr lang="en-US" smtClean="0"/>
               <a:pPr>
                 <a:defRPr/>
@@ -14003,7 +13123,7 @@
     </p:spTree>
     <p:extLst>
       <p:ext uri="{BB962C8B-B14F-4D97-AF65-F5344CB8AC3E}">
-        <p14:creationId xmlns:p14="http://schemas.microsoft.com/office/powerpoint/2010/main" val="1619681707"/>
+        <p14:creationId xmlns:p14="http://schemas.microsoft.com/office/powerpoint/2010/main" val="2554908184"/>
       </p:ext>
     </p:extLst>
   </p:cSld>
